--- a/Barrelet_Xavier_4_presentation_130624.pptx
+++ b/Barrelet_Xavier_4_presentation_130624.pptx
@@ -346,7 +346,7 @@
         <p:spPr>
           <a:xfrm>
             <a:off x="0" y="4114800"/>
-            <a:ext cx="10074240" cy="1549440"/>
+            <a:ext cx="10073880" cy="1549080"/>
           </a:xfrm>
           <a:prstGeom prst="rect">
             <a:avLst/>
@@ -393,9 +393,9 @@
         <p:grpSpPr>
           <a:xfrm>
             <a:off x="0" y="0"/>
-            <a:ext cx="10074960" cy="4109040"/>
+            <a:ext cx="10074600" cy="4108680"/>
             <a:chOff x="0" y="0"/>
-            <a:chExt cx="10074960" cy="4109040"/>
+            <a:chExt cx="10074600" cy="4108680"/>
           </a:xfrm>
         </p:grpSpPr>
         <p:sp>
@@ -407,7 +407,7 @@
           <p:spPr>
             <a:xfrm>
               <a:off x="0" y="0"/>
-              <a:ext cx="10074960" cy="4109040"/>
+              <a:ext cx="10074600" cy="4108680"/>
             </a:xfrm>
             <a:prstGeom prst="rect">
               <a:avLst/>
@@ -454,7 +454,7 @@
           <p:spPr>
             <a:xfrm>
               <a:off x="0" y="1280160"/>
-              <a:ext cx="1548720" cy="634320"/>
+              <a:ext cx="1548360" cy="633960"/>
             </a:xfrm>
             <a:prstGeom prst="rect">
               <a:avLst/>
@@ -503,7 +503,7 @@
           <p:spPr>
             <a:xfrm>
               <a:off x="914400" y="1920240"/>
-              <a:ext cx="1274400" cy="1823040"/>
+              <a:ext cx="1274040" cy="1822680"/>
             </a:xfrm>
             <a:prstGeom prst="rect">
               <a:avLst/>
@@ -550,7 +550,7 @@
           <p:spPr>
             <a:xfrm>
               <a:off x="2194560" y="548640"/>
-              <a:ext cx="1274400" cy="1823040"/>
+              <a:ext cx="1274040" cy="1822680"/>
             </a:xfrm>
             <a:prstGeom prst="rect">
               <a:avLst/>
@@ -597,7 +597,7 @@
           <p:spPr>
             <a:xfrm>
               <a:off x="3474720" y="1188720"/>
-              <a:ext cx="360000" cy="360000"/>
+              <a:ext cx="359640" cy="359640"/>
             </a:xfrm>
             <a:prstGeom prst="rect">
               <a:avLst/>
@@ -644,7 +644,7 @@
           <p:spPr>
             <a:xfrm>
               <a:off x="4206240" y="0"/>
-              <a:ext cx="1457280" cy="908640"/>
+              <a:ext cx="1456920" cy="908280"/>
             </a:xfrm>
             <a:prstGeom prst="rect">
               <a:avLst/>
@@ -691,7 +691,7 @@
           <p:spPr>
             <a:xfrm>
               <a:off x="4663440" y="914400"/>
-              <a:ext cx="1000080" cy="451440"/>
+              <a:ext cx="999720" cy="451080"/>
             </a:xfrm>
             <a:prstGeom prst="rect">
               <a:avLst/>
@@ -738,7 +738,7 @@
           <p:spPr>
             <a:xfrm>
               <a:off x="3474720" y="1737360"/>
-              <a:ext cx="3103200" cy="1000080"/>
+              <a:ext cx="3102840" cy="999720"/>
             </a:xfrm>
             <a:prstGeom prst="rect">
               <a:avLst/>
@@ -785,7 +785,7 @@
           <p:spPr>
             <a:xfrm>
               <a:off x="4114800" y="2743200"/>
-              <a:ext cx="1457280" cy="1000080"/>
+              <a:ext cx="1456920" cy="999720"/>
             </a:xfrm>
             <a:prstGeom prst="rect">
               <a:avLst/>
@@ -832,7 +832,7 @@
           <p:spPr>
             <a:xfrm>
               <a:off x="6583680" y="1463040"/>
-              <a:ext cx="1548720" cy="451440"/>
+              <a:ext cx="1548360" cy="451080"/>
             </a:xfrm>
             <a:prstGeom prst="rect">
               <a:avLst/>
@@ -881,7 +881,7 @@
           <p:spPr>
             <a:xfrm>
               <a:off x="7315200" y="1920240"/>
-              <a:ext cx="1457280" cy="1640160"/>
+              <a:ext cx="1456920" cy="1639800"/>
             </a:xfrm>
             <a:prstGeom prst="rect">
               <a:avLst/>
@@ -930,7 +930,7 @@
           <p:spPr>
             <a:xfrm>
               <a:off x="2743200" y="2377440"/>
-              <a:ext cx="542880" cy="817200"/>
+              <a:ext cx="542520" cy="816840"/>
             </a:xfrm>
             <a:prstGeom prst="rect">
               <a:avLst/>
@@ -977,7 +977,7 @@
           <p:spPr>
             <a:xfrm>
               <a:off x="8595360" y="0"/>
-              <a:ext cx="1479600" cy="1457280"/>
+              <a:ext cx="1479240" cy="1456920"/>
             </a:xfrm>
             <a:prstGeom prst="rect">
               <a:avLst/>
@@ -1024,7 +1024,7 @@
           <p:spPr>
             <a:xfrm>
               <a:off x="6766560" y="0"/>
-              <a:ext cx="268560" cy="1000080"/>
+              <a:ext cx="268200" cy="999720"/>
             </a:xfrm>
             <a:prstGeom prst="rect">
               <a:avLst/>
@@ -1073,7 +1073,7 @@
           <p:spPr>
             <a:xfrm>
               <a:off x="1554480" y="0"/>
-              <a:ext cx="177120" cy="908640"/>
+              <a:ext cx="176760" cy="908280"/>
             </a:xfrm>
             <a:prstGeom prst="rect">
               <a:avLst/>
@@ -1120,7 +1120,7 @@
           <p:spPr>
             <a:xfrm>
               <a:off x="0" y="3017520"/>
-              <a:ext cx="360000" cy="1091520"/>
+              <a:ext cx="359640" cy="1091160"/>
             </a:xfrm>
             <a:prstGeom prst="rect">
               <a:avLst/>
@@ -1167,7 +1167,7 @@
           <p:spPr>
             <a:xfrm>
               <a:off x="9601200" y="2560320"/>
-              <a:ext cx="360000" cy="1548720"/>
+              <a:ext cx="359640" cy="1548360"/>
             </a:xfrm>
             <a:prstGeom prst="rect">
               <a:avLst/>
@@ -1214,7 +1214,7 @@
           <p:spPr>
             <a:xfrm>
               <a:off x="8778240" y="1828800"/>
-              <a:ext cx="360000" cy="360000"/>
+              <a:ext cx="359640" cy="359640"/>
             </a:xfrm>
             <a:prstGeom prst="rect">
               <a:avLst/>
@@ -1561,10 +1561,10 @@
         </p:nvGrpSpPr>
         <p:grpSpPr>
           <a:xfrm>
-            <a:off x="8540280" y="5060160"/>
-            <a:ext cx="1274760" cy="909000"/>
-            <a:chOff x="8540280" y="5060160"/>
-            <a:chExt cx="1274760" cy="909000"/>
+            <a:off x="8540280" y="5059800"/>
+            <a:ext cx="1274400" cy="908640"/>
+            <a:chOff x="8540280" y="5059800"/>
+            <a:chExt cx="1274400" cy="908640"/>
           </a:xfrm>
         </p:grpSpPr>
         <p:grpSp>
@@ -1575,10 +1575,10 @@
           </p:nvGrpSpPr>
           <p:grpSpPr>
             <a:xfrm>
-              <a:off x="8540280" y="5060160"/>
-              <a:ext cx="1274760" cy="909000"/>
-              <a:chOff x="8540280" y="5060160"/>
-              <a:chExt cx="1274760" cy="909000"/>
+              <a:off x="8540280" y="5059800"/>
+              <a:ext cx="1274400" cy="908640"/>
+              <a:chOff x="8540280" y="5059800"/>
+              <a:chExt cx="1274400" cy="908640"/>
             </a:xfrm>
           </p:grpSpPr>
           <p:sp>
@@ -1589,8 +1589,8 @@
             </p:nvSpPr>
             <p:spPr>
               <a:xfrm flipV="1" rot="21598800">
-                <a:off x="9637560" y="5425920"/>
-                <a:ext cx="177120" cy="177120"/>
+                <a:off x="9637560" y="5425200"/>
+                <a:ext cx="176760" cy="176760"/>
               </a:xfrm>
               <a:prstGeom prst="ellipse">
                 <a:avLst/>
@@ -1598,7 +1598,7 @@
               <a:blipFill rotWithShape="0">
                 <a:blip r:embed="rId2"/>
                 <a:srcRect/>
-                <a:tile tx="0" ty="0" sx="69148" sy="69148" algn="ctr"/>
+                <a:tile tx="0" ty="0" sx="68794" sy="68794" algn="ctr"/>
               </a:blipFill>
               <a:ln w="0">
                 <a:noFill/>
@@ -1645,8 +1645,8 @@
             </p:nvSpPr>
             <p:spPr>
               <a:xfrm flipV="1" rot="21598800">
-                <a:off x="9271800" y="5425920"/>
-                <a:ext cx="177120" cy="177120"/>
+                <a:off x="9271800" y="5425200"/>
+                <a:ext cx="176760" cy="176760"/>
               </a:xfrm>
               <a:prstGeom prst="ellipse">
                 <a:avLst/>
@@ -1654,7 +1654,7 @@
               <a:blipFill rotWithShape="0">
                 <a:blip r:embed="rId3"/>
                 <a:srcRect/>
-                <a:tile tx="0" ty="0" sx="69148" sy="69148" algn="ctr"/>
+                <a:tile tx="0" ty="0" sx="68794" sy="68794" algn="ctr"/>
               </a:blipFill>
               <a:ln w="0">
                 <a:noFill/>
@@ -1701,8 +1701,8 @@
             </p:nvSpPr>
             <p:spPr>
               <a:xfrm flipV="1" rot="21598800">
-                <a:off x="8906400" y="5425920"/>
-                <a:ext cx="177120" cy="177120"/>
+                <a:off x="8906400" y="5425200"/>
+                <a:ext cx="176760" cy="176760"/>
               </a:xfrm>
               <a:prstGeom prst="ellipse">
                 <a:avLst/>
@@ -1710,7 +1710,7 @@
               <a:blipFill rotWithShape="0">
                 <a:blip r:embed="rId4"/>
                 <a:srcRect/>
-                <a:tile tx="0" ty="0" sx="69148" sy="69148" algn="ctr"/>
+                <a:tile tx="0" ty="0" sx="68794" sy="68794" algn="ctr"/>
               </a:blipFill>
               <a:ln w="0">
                 <a:noFill/>
@@ -1757,8 +1757,8 @@
             </p:nvSpPr>
             <p:spPr>
               <a:xfrm flipV="1" rot="21598800">
-                <a:off x="8540280" y="5426280"/>
-                <a:ext cx="177120" cy="177120"/>
+                <a:off x="8540280" y="5425560"/>
+                <a:ext cx="176760" cy="176760"/>
               </a:xfrm>
               <a:prstGeom prst="ellipse">
                 <a:avLst/>
@@ -1766,7 +1766,7 @@
               <a:blipFill rotWithShape="0">
                 <a:blip r:embed="rId5"/>
                 <a:srcRect/>
-                <a:tile tx="0" ty="0" sx="69148" sy="69148" algn="ctr"/>
+                <a:tile tx="0" ty="0" sx="68794" sy="68794" algn="ctr"/>
               </a:blipFill>
               <a:ln w="0">
                 <a:noFill/>
@@ -1813,8 +1813,8 @@
             </p:nvSpPr>
             <p:spPr>
               <a:xfrm flipV="1" rot="21598800">
-                <a:off x="8540280" y="5060160"/>
-                <a:ext cx="177120" cy="177120"/>
+                <a:off x="8540280" y="5059440"/>
+                <a:ext cx="176760" cy="176760"/>
               </a:xfrm>
               <a:prstGeom prst="ellipse">
                 <a:avLst/>
@@ -1822,7 +1822,7 @@
               <a:blipFill rotWithShape="0">
                 <a:blip r:embed="rId6"/>
                 <a:srcRect/>
-                <a:tile tx="0" ty="0" sx="69148" sy="69148" algn="ctr"/>
+                <a:tile tx="0" ty="0" sx="68794" sy="68794" algn="ctr"/>
               </a:blipFill>
               <a:ln w="0">
                 <a:noFill/>
@@ -1869,8 +1869,8 @@
             </p:nvSpPr>
             <p:spPr>
               <a:xfrm flipV="1" rot="21598800">
-                <a:off x="8906040" y="5060160"/>
-                <a:ext cx="177120" cy="177120"/>
+                <a:off x="8906040" y="5059440"/>
+                <a:ext cx="176760" cy="176760"/>
               </a:xfrm>
               <a:prstGeom prst="ellipse">
                 <a:avLst/>
@@ -1878,7 +1878,7 @@
               <a:blipFill rotWithShape="0">
                 <a:blip r:embed="rId7"/>
                 <a:srcRect/>
-                <a:tile tx="0" ty="0" sx="69148" sy="69148" algn="ctr"/>
+                <a:tile tx="0" ty="0" sx="68794" sy="68794" algn="ctr"/>
               </a:blipFill>
               <a:ln w="0">
                 <a:noFill/>
@@ -1925,8 +1925,8 @@
             </p:nvSpPr>
             <p:spPr>
               <a:xfrm flipV="1" rot="21598800">
-                <a:off x="9271800" y="5060520"/>
-                <a:ext cx="177120" cy="177120"/>
+                <a:off x="9271800" y="5059800"/>
+                <a:ext cx="176760" cy="176760"/>
               </a:xfrm>
               <a:prstGeom prst="ellipse">
                 <a:avLst/>
@@ -1934,7 +1934,7 @@
               <a:blipFill rotWithShape="0">
                 <a:blip r:embed="rId8"/>
                 <a:srcRect/>
-                <a:tile tx="0" ty="0" sx="69148" sy="69148" algn="ctr"/>
+                <a:tile tx="0" ty="0" sx="68794" sy="68794" algn="ctr"/>
               </a:blipFill>
               <a:ln w="0">
                 <a:noFill/>
@@ -1981,8 +1981,8 @@
             </p:nvSpPr>
             <p:spPr>
               <a:xfrm flipV="1" rot="21598800">
-                <a:off x="9637920" y="5060160"/>
-                <a:ext cx="177120" cy="177120"/>
+                <a:off x="9637920" y="5059440"/>
+                <a:ext cx="176760" cy="176760"/>
               </a:xfrm>
               <a:prstGeom prst="ellipse">
                 <a:avLst/>
@@ -1990,7 +1990,7 @@
               <a:blipFill rotWithShape="0">
                 <a:blip r:embed="rId9"/>
                 <a:srcRect/>
-                <a:tile tx="0" ty="0" sx="69148" sy="69148" algn="ctr"/>
+                <a:tile tx="0" ty="0" sx="68794" sy="68794" algn="ctr"/>
               </a:blipFill>
               <a:ln w="0">
                 <a:noFill/>
@@ -2037,8 +2037,8 @@
             </p:nvSpPr>
             <p:spPr>
               <a:xfrm flipV="1" rot="21598800">
-                <a:off x="9637560" y="5791680"/>
-                <a:ext cx="177120" cy="177120"/>
+                <a:off x="9637560" y="5790960"/>
+                <a:ext cx="176760" cy="176760"/>
               </a:xfrm>
               <a:prstGeom prst="ellipse">
                 <a:avLst/>
@@ -2046,7 +2046,7 @@
               <a:blipFill rotWithShape="0">
                 <a:blip r:embed="rId10"/>
                 <a:srcRect/>
-                <a:tile tx="0" ty="0" sx="69148" sy="69148" algn="ctr"/>
+                <a:tile tx="0" ty="0" sx="68794" sy="68794" algn="ctr"/>
               </a:blipFill>
               <a:ln w="0">
                 <a:noFill/>
@@ -2093,8 +2093,8 @@
             </p:nvSpPr>
             <p:spPr>
               <a:xfrm flipV="1" rot="21598800">
-                <a:off x="9272160" y="5792040"/>
-                <a:ext cx="177120" cy="177120"/>
+                <a:off x="9272160" y="5791320"/>
+                <a:ext cx="176760" cy="176760"/>
               </a:xfrm>
               <a:prstGeom prst="ellipse">
                 <a:avLst/>
@@ -2102,7 +2102,7 @@
               <a:blipFill rotWithShape="0">
                 <a:blip r:embed="rId11"/>
                 <a:srcRect/>
-                <a:tile tx="0" ty="0" sx="69148" sy="69148" algn="ctr"/>
+                <a:tile tx="0" ty="0" sx="68794" sy="68794" algn="ctr"/>
               </a:blipFill>
               <a:ln w="0">
                 <a:noFill/>
@@ -2149,8 +2149,8 @@
             </p:nvSpPr>
             <p:spPr>
               <a:xfrm flipV="1" rot="21598800">
-                <a:off x="8906040" y="5791680"/>
-                <a:ext cx="177120" cy="177120"/>
+                <a:off x="8906040" y="5790960"/>
+                <a:ext cx="176760" cy="176760"/>
               </a:xfrm>
               <a:prstGeom prst="ellipse">
                 <a:avLst/>
@@ -2158,7 +2158,7 @@
               <a:blipFill rotWithShape="0">
                 <a:blip r:embed="rId12"/>
                 <a:srcRect/>
-                <a:tile tx="0" ty="0" sx="69148" sy="69148" algn="ctr"/>
+                <a:tile tx="0" ty="0" sx="68794" sy="68794" algn="ctr"/>
               </a:blipFill>
               <a:ln w="0">
                 <a:noFill/>
@@ -2205,8 +2205,8 @@
             </p:nvSpPr>
             <p:spPr>
               <a:xfrm flipV="1" rot="21598800">
-                <a:off x="8540280" y="5791680"/>
-                <a:ext cx="177120" cy="177120"/>
+                <a:off x="8540280" y="5790960"/>
+                <a:ext cx="176760" cy="176760"/>
               </a:xfrm>
               <a:prstGeom prst="ellipse">
                 <a:avLst/>
@@ -2214,7 +2214,7 @@
               <a:blipFill rotWithShape="0">
                 <a:blip r:embed="rId13"/>
                 <a:srcRect/>
-                <a:tile tx="0" ty="0" sx="69148" sy="69148" algn="ctr"/>
+                <a:tile tx="0" ty="0" sx="68794" sy="68794" algn="ctr"/>
               </a:blipFill>
               <a:ln w="0">
                 <a:noFill/>
@@ -2264,7 +2264,7 @@
         <p:spPr>
           <a:xfrm>
             <a:off x="1499760" y="1774080"/>
-            <a:ext cx="2920320" cy="2920320"/>
+            <a:ext cx="2919960" cy="2919960"/>
           </a:xfrm>
           <a:prstGeom prst="ellipse">
             <a:avLst/>
@@ -2313,7 +2313,7 @@
         <p:spPr>
           <a:xfrm>
             <a:off x="1225080" y="1134360"/>
-            <a:ext cx="1183320" cy="1182600"/>
+            <a:ext cx="1182960" cy="1182240"/>
           </a:xfrm>
           <a:prstGeom prst="ellipse">
             <a:avLst/>
@@ -2362,7 +2362,7 @@
         <p:spPr>
           <a:xfrm>
             <a:off x="3420000" y="4242960"/>
-            <a:ext cx="634320" cy="634320"/>
+            <a:ext cx="633960" cy="633960"/>
           </a:xfrm>
           <a:prstGeom prst="ellipse">
             <a:avLst/>
@@ -2415,7 +2415,7 @@
         <p:spPr>
           <a:xfrm>
             <a:off x="4349520" y="792360"/>
-            <a:ext cx="5520240" cy="4139640"/>
+            <a:ext cx="5519880" cy="4139280"/>
           </a:xfrm>
           <a:prstGeom prst="rect">
             <a:avLst/>
@@ -2434,7 +2434,7 @@
         <p:spPr>
           <a:xfrm>
             <a:off x="4846320" y="4846320"/>
-            <a:ext cx="2127240" cy="236880"/>
+            <a:ext cx="2126880" cy="236520"/>
           </a:xfrm>
           <a:prstGeom prst="rect">
             <a:avLst/>
@@ -2554,9 +2554,9 @@
         <p:grpSpPr>
           <a:xfrm>
             <a:off x="7406640" y="3566160"/>
-            <a:ext cx="2371680" cy="4291920"/>
+            <a:ext cx="2371320" cy="4291560"/>
             <a:chOff x="7406640" y="3566160"/>
-            <a:chExt cx="2371680" cy="4291920"/>
+            <a:chExt cx="2371320" cy="4291560"/>
           </a:xfrm>
         </p:grpSpPr>
         <p:sp>
@@ -2568,7 +2568,7 @@
           <p:spPr>
             <a:xfrm>
               <a:off x="8138160" y="4754880"/>
-              <a:ext cx="451440" cy="2554560"/>
+              <a:ext cx="451080" cy="2554200"/>
             </a:xfrm>
             <a:prstGeom prst="rect">
               <a:avLst/>
@@ -2576,7 +2576,7 @@
             <a:blipFill rotWithShape="0">
               <a:blip r:embed="rId2"/>
               <a:srcRect/>
-              <a:tile tx="0" ty="0" sx="69148" sy="69148" algn="ctr"/>
+              <a:tile tx="0" ty="0" sx="68794" sy="68794" algn="ctr"/>
             </a:blipFill>
             <a:ln w="0">
               <a:noFill/>
@@ -2617,7 +2617,7 @@
           <p:spPr>
             <a:xfrm>
               <a:off x="8961120" y="3566160"/>
-              <a:ext cx="451440" cy="2554560"/>
+              <a:ext cx="451080" cy="2554200"/>
             </a:xfrm>
             <a:prstGeom prst="rect">
               <a:avLst/>
@@ -2625,7 +2625,7 @@
             <a:blipFill rotWithShape="0">
               <a:blip r:embed="rId3"/>
               <a:srcRect/>
-              <a:tile tx="0" ty="0" sx="69148" sy="69148" algn="ctr"/>
+              <a:tile tx="0" ty="0" sx="68794" sy="68794" algn="ctr"/>
             </a:blipFill>
             <a:ln w="0">
               <a:noFill/>
@@ -2666,7 +2666,7 @@
           <p:spPr>
             <a:xfrm>
               <a:off x="8503920" y="5120640"/>
-              <a:ext cx="1274400" cy="85680"/>
+              <a:ext cx="1274040" cy="85320"/>
             </a:xfrm>
             <a:prstGeom prst="rect">
               <a:avLst/>
@@ -2715,7 +2715,7 @@
           <p:spPr>
             <a:xfrm>
               <a:off x="8321040" y="5303520"/>
-              <a:ext cx="908640" cy="85680"/>
+              <a:ext cx="908280" cy="85320"/>
             </a:xfrm>
             <a:prstGeom prst="rect">
               <a:avLst/>
@@ -2764,7 +2764,7 @@
           <p:spPr>
             <a:xfrm>
               <a:off x="8869680" y="5486400"/>
-              <a:ext cx="908640" cy="85680"/>
+              <a:ext cx="908280" cy="85320"/>
             </a:xfrm>
             <a:prstGeom prst="rect">
               <a:avLst/>
@@ -2813,7 +2813,7 @@
           <p:spPr>
             <a:xfrm>
               <a:off x="7406640" y="5303520"/>
-              <a:ext cx="451440" cy="2554560"/>
+              <a:ext cx="451080" cy="2554200"/>
             </a:xfrm>
             <a:prstGeom prst="rect">
               <a:avLst/>
@@ -2821,7 +2821,7 @@
             <a:blipFill rotWithShape="0">
               <a:blip r:embed="rId4"/>
               <a:srcRect/>
-              <a:tile tx="0" ty="0" sx="69148" sy="69148" algn="ctr"/>
+              <a:tile tx="0" ty="0" sx="68794" sy="68794" algn="ctr"/>
             </a:blipFill>
             <a:ln w="0">
               <a:noFill/>
@@ -2862,8 +2862,8 @@
         </p:nvSpPr>
         <p:spPr>
           <a:xfrm flipH="1" flipV="1">
-            <a:off x="1451160" y="-1560240"/>
-            <a:ext cx="451440" cy="2554560"/>
+            <a:off x="1450080" y="-1560960"/>
+            <a:ext cx="451080" cy="2554200"/>
           </a:xfrm>
           <a:prstGeom prst="rect">
             <a:avLst/>
@@ -2871,7 +2871,7 @@
           <a:blipFill rotWithShape="0">
             <a:blip r:embed="rId5"/>
             <a:srcRect/>
-            <a:tile tx="0" ty="0" sx="69148" sy="69148" algn="ctr"/>
+            <a:tile tx="0" ty="0" sx="68794" sy="68794" algn="ctr"/>
           </a:blipFill>
           <a:ln w="0">
             <a:noFill/>
@@ -2911,8 +2911,8 @@
         </p:nvSpPr>
         <p:spPr>
           <a:xfrm flipH="1" flipV="1">
-            <a:off x="628200" y="-365400"/>
-            <a:ext cx="451440" cy="2554560"/>
+            <a:off x="627120" y="-365760"/>
+            <a:ext cx="451080" cy="2554200"/>
           </a:xfrm>
           <a:prstGeom prst="rect">
             <a:avLst/>
@@ -2920,7 +2920,7 @@
           <a:blipFill rotWithShape="0">
             <a:blip r:embed="rId6"/>
             <a:srcRect/>
-            <a:tile tx="0" ty="0" sx="69148" sy="69148" algn="ctr"/>
+            <a:tile tx="0" ty="0" sx="68794" sy="68794" algn="ctr"/>
           </a:blipFill>
           <a:ln w="0">
             <a:noFill/>
@@ -2960,8 +2960,8 @@
         </p:nvSpPr>
         <p:spPr>
           <a:xfrm flipH="1" flipV="1">
-            <a:off x="268560" y="542880"/>
-            <a:ext cx="1274400" cy="85680"/>
+            <a:off x="267840" y="542160"/>
+            <a:ext cx="1274040" cy="85320"/>
           </a:xfrm>
           <a:prstGeom prst="rect">
             <a:avLst/>
@@ -3009,8 +3009,8 @@
         </p:nvSpPr>
         <p:spPr>
           <a:xfrm flipH="1" flipV="1">
-            <a:off x="817200" y="360000"/>
-            <a:ext cx="908640" cy="85680"/>
+            <a:off x="816480" y="359280"/>
+            <a:ext cx="908280" cy="85320"/>
           </a:xfrm>
           <a:prstGeom prst="rect">
             <a:avLst/>
@@ -3058,8 +3058,8 @@
         </p:nvSpPr>
         <p:spPr>
           <a:xfrm flipH="1" flipV="1">
-            <a:off x="268560" y="177120"/>
-            <a:ext cx="908640" cy="85680"/>
+            <a:off x="267840" y="176400"/>
+            <a:ext cx="908280" cy="85320"/>
           </a:xfrm>
           <a:prstGeom prst="rect">
             <a:avLst/>
@@ -3107,8 +3107,8 @@
         </p:nvSpPr>
         <p:spPr>
           <a:xfrm flipH="1" flipV="1">
-            <a:off x="2188800" y="-2108880"/>
-            <a:ext cx="451440" cy="2554560"/>
+            <a:off x="2188080" y="-2109600"/>
+            <a:ext cx="451080" cy="2554200"/>
           </a:xfrm>
           <a:prstGeom prst="rect">
             <a:avLst/>
@@ -3116,7 +3116,7 @@
           <a:blipFill rotWithShape="0">
             <a:blip r:embed="rId7"/>
             <a:srcRect/>
-            <a:tile tx="0" ty="0" sx="69148" sy="69148" algn="ctr"/>
+            <a:tile tx="0" ty="0" sx="68794" sy="68794" algn="ctr"/>
           </a:blipFill>
           <a:ln w="0">
             <a:noFill/>
@@ -3157,7 +3157,7 @@
         <p:spPr>
           <a:xfrm>
             <a:off x="3474720" y="2560320"/>
-            <a:ext cx="2737440" cy="2737440"/>
+            <a:ext cx="2737080" cy="2737080"/>
           </a:xfrm>
           <a:prstGeom prst="ellipse">
             <a:avLst/>
@@ -3506,7 +3506,7 @@
         <p:spPr>
           <a:xfrm>
             <a:off x="822960" y="2468880"/>
-            <a:ext cx="1457280" cy="1457280"/>
+            <a:ext cx="1456920" cy="1456920"/>
           </a:xfrm>
           <a:prstGeom prst="ellipse">
             <a:avLst/>
@@ -3560,7 +3560,7 @@
         <p:spPr>
           <a:xfrm>
             <a:off x="4480560" y="1554480"/>
-            <a:ext cx="1457280" cy="1457280"/>
+            <a:ext cx="1456920" cy="1456920"/>
           </a:xfrm>
           <a:prstGeom prst="ellipse">
             <a:avLst/>
@@ -3614,7 +3614,7 @@
         <p:spPr>
           <a:xfrm>
             <a:off x="6583680" y="3108960"/>
-            <a:ext cx="1457280" cy="1457280"/>
+            <a:ext cx="1456920" cy="1456920"/>
           </a:xfrm>
           <a:prstGeom prst="ellipse">
             <a:avLst/>
@@ -3668,15 +3668,15 @@
         <p:spPr>
           <a:xfrm>
             <a:off x="1554480" y="4114800"/>
-            <a:ext cx="908640" cy="651600"/>
+            <a:ext cx="908280" cy="651240"/>
           </a:xfrm>
           <a:custGeom>
             <a:avLst/>
             <a:gdLst>
-              <a:gd name="textAreaLeft" fmla="*/ 0 w 908640"/>
-              <a:gd name="textAreaRight" fmla="*/ 914400 w 908640"/>
-              <a:gd name="textAreaTop" fmla="*/ 0 h 651600"/>
-              <a:gd name="textAreaBottom" fmla="*/ 657360 h 651600"/>
+              <a:gd name="textAreaLeft" fmla="*/ 0 w 908280"/>
+              <a:gd name="textAreaRight" fmla="*/ 914400 w 908280"/>
+              <a:gd name="textAreaTop" fmla="*/ 0 h 651240"/>
+              <a:gd name="textAreaBottom" fmla="*/ 657360 h 651240"/>
             </a:gdLst>
             <a:ahLst/>
             <a:rect l="textAreaLeft" t="textAreaTop" r="textAreaRight" b="textAreaBottom"/>
@@ -3739,15 +3739,15 @@
         <p:spPr>
           <a:xfrm>
             <a:off x="3657600" y="1188720"/>
-            <a:ext cx="817200" cy="634320"/>
+            <a:ext cx="816840" cy="633960"/>
           </a:xfrm>
           <a:custGeom>
             <a:avLst/>
             <a:gdLst>
-              <a:gd name="textAreaLeft" fmla="*/ 0 w 817200"/>
-              <a:gd name="textAreaRight" fmla="*/ 822960 w 817200"/>
-              <a:gd name="textAreaTop" fmla="*/ 0 h 634320"/>
-              <a:gd name="textAreaBottom" fmla="*/ 640080 h 634320"/>
+              <a:gd name="textAreaLeft" fmla="*/ 0 w 816840"/>
+              <a:gd name="textAreaRight" fmla="*/ 822960 w 816840"/>
+              <a:gd name="textAreaTop" fmla="*/ 0 h 633960"/>
+              <a:gd name="textAreaBottom" fmla="*/ 640080 h 633960"/>
             </a:gdLst>
             <a:ahLst/>
             <a:rect l="textAreaLeft" t="textAreaTop" r="textAreaRight" b="textAreaBottom"/>
@@ -3810,15 +3810,15 @@
         <p:spPr>
           <a:xfrm>
             <a:off x="7955280" y="2011680"/>
-            <a:ext cx="1458360" cy="1182960"/>
+            <a:ext cx="1458000" cy="1182600"/>
           </a:xfrm>
           <a:custGeom>
             <a:avLst/>
             <a:gdLst>
-              <a:gd name="textAreaLeft" fmla="*/ 0 w 1458360"/>
-              <a:gd name="textAreaRight" fmla="*/ 1464120 w 1458360"/>
-              <a:gd name="textAreaTop" fmla="*/ 0 h 1182960"/>
-              <a:gd name="textAreaBottom" fmla="*/ 1188720 h 1182960"/>
+              <a:gd name="textAreaLeft" fmla="*/ 0 w 1458000"/>
+              <a:gd name="textAreaRight" fmla="*/ 1464120 w 1458000"/>
+              <a:gd name="textAreaTop" fmla="*/ 0 h 1182600"/>
+              <a:gd name="textAreaBottom" fmla="*/ 1188720 h 1182600"/>
             </a:gdLst>
             <a:ahLst/>
             <a:rect l="textAreaLeft" t="textAreaTop" r="textAreaRight" b="textAreaBottom"/>
@@ -3886,7 +3886,7 @@
         <p:spPr>
           <a:xfrm>
             <a:off x="2468880" y="822960"/>
-            <a:ext cx="1404720" cy="1365840"/>
+            <a:ext cx="1404360" cy="1365480"/>
           </a:xfrm>
           <a:prstGeom prst="ellipse">
             <a:avLst/>
@@ -3935,7 +3935,7 @@
         <p:spPr>
           <a:xfrm>
             <a:off x="3931920" y="4663440"/>
-            <a:ext cx="1679040" cy="1640160"/>
+            <a:ext cx="1678680" cy="1639800"/>
           </a:xfrm>
           <a:prstGeom prst="ellipse">
             <a:avLst/>
@@ -3984,7 +3984,7 @@
         <p:spPr>
           <a:xfrm>
             <a:off x="8412480" y="1280160"/>
-            <a:ext cx="1091520" cy="1000080"/>
+            <a:ext cx="1091160" cy="999720"/>
           </a:xfrm>
           <a:prstGeom prst="ellipse">
             <a:avLst/>
@@ -4059,7 +4059,7 @@
         <p:spPr>
           <a:xfrm>
             <a:off x="2103480" y="3658320"/>
-            <a:ext cx="1640160" cy="1640160"/>
+            <a:ext cx="1639800" cy="1639800"/>
           </a:xfrm>
           <a:prstGeom prst="ellipse">
             <a:avLst/>
@@ -4108,7 +4108,7 @@
         <p:spPr>
           <a:xfrm>
             <a:off x="823320" y="-273240"/>
-            <a:ext cx="2188800" cy="2188800"/>
+            <a:ext cx="2188440" cy="2188440"/>
           </a:xfrm>
           <a:prstGeom prst="ellipse">
             <a:avLst/>
@@ -4157,7 +4157,7 @@
         <p:spPr>
           <a:xfrm>
             <a:off x="7955640" y="3109680"/>
-            <a:ext cx="2188800" cy="2188800"/>
+            <a:ext cx="2188440" cy="2188440"/>
           </a:xfrm>
           <a:prstGeom prst="ellipse">
             <a:avLst/>
@@ -4206,7 +4206,7 @@
         <p:spPr>
           <a:xfrm>
             <a:off x="9601560" y="915120"/>
-            <a:ext cx="1640160" cy="1640160"/>
+            <a:ext cx="1639800" cy="1639800"/>
           </a:xfrm>
           <a:prstGeom prst="ellipse">
             <a:avLst/>
@@ -4254,10 +4254,10 @@
         </p:nvGrpSpPr>
         <p:grpSpPr>
           <a:xfrm>
-            <a:off x="3912480" y="765000"/>
-            <a:ext cx="2427840" cy="4333320"/>
-            <a:chOff x="3912480" y="765000"/>
-            <a:chExt cx="2427840" cy="4333320"/>
+            <a:off x="3912120" y="764280"/>
+            <a:ext cx="2427480" cy="4332960"/>
+            <a:chOff x="3912120" y="764280"/>
+            <a:chExt cx="2427480" cy="4332960"/>
           </a:xfrm>
         </p:grpSpPr>
         <p:sp>
@@ -4268,8 +4268,8 @@
           </p:nvSpPr>
           <p:spPr>
             <a:xfrm flipH="1" flipV="1" rot="5330400">
-              <a:off x="4848120" y="3367440"/>
-              <a:ext cx="1365840" cy="1457280"/>
+              <a:off x="4847400" y="3367080"/>
+              <a:ext cx="1365480" cy="1456920"/>
             </a:xfrm>
             <a:prstGeom prst="parallelogram">
               <a:avLst>
@@ -4317,8 +4317,8 @@
           </p:nvSpPr>
           <p:spPr>
             <a:xfrm flipH="1" flipV="1" rot="5330400">
-              <a:off x="4017600" y="2329200"/>
-              <a:ext cx="1365840" cy="1457280"/>
+              <a:off x="4016880" y="2328840"/>
+              <a:ext cx="1365480" cy="1456920"/>
             </a:xfrm>
             <a:prstGeom prst="parallelogram">
               <a:avLst>
@@ -4366,8 +4366,8 @@
           </p:nvSpPr>
           <p:spPr>
             <a:xfrm flipH="1" flipV="1" rot="5330400">
-              <a:off x="4914720" y="2064960"/>
-              <a:ext cx="1365840" cy="1457280"/>
+              <a:off x="4914000" y="2064600"/>
+              <a:ext cx="1365480" cy="1456920"/>
             </a:xfrm>
             <a:prstGeom prst="parallelogram">
               <a:avLst>
@@ -4415,8 +4415,8 @@
           </p:nvSpPr>
           <p:spPr>
             <a:xfrm flipH="1" flipV="1" rot="5330400">
-              <a:off x="3971520" y="971280"/>
-              <a:ext cx="1365840" cy="1457280"/>
+              <a:off x="3970800" y="970920"/>
+              <a:ext cx="1365480" cy="1456920"/>
             </a:xfrm>
             <a:prstGeom prst="parallelogram">
               <a:avLst>
@@ -4464,8 +4464,8 @@
           </p:nvSpPr>
           <p:spPr>
             <a:xfrm flipH="1" flipV="1" rot="5330400">
-              <a:off x="4905720" y="733320"/>
-              <a:ext cx="1365840" cy="1457280"/>
+              <a:off x="4905000" y="732960"/>
+              <a:ext cx="1365480" cy="1456920"/>
             </a:xfrm>
             <a:prstGeom prst="parallelogram">
               <a:avLst>
@@ -4513,8 +4513,8 @@
           </p:nvSpPr>
           <p:spPr>
             <a:xfrm flipH="1" flipV="1" rot="5330400">
-              <a:off x="4026240" y="3671640"/>
-              <a:ext cx="1365840" cy="1457280"/>
+              <a:off x="4025520" y="3671280"/>
+              <a:ext cx="1365480" cy="1456920"/>
             </a:xfrm>
             <a:prstGeom prst="parallelogram">
               <a:avLst>
@@ -4590,7 +4590,7 @@
         <p:spPr>
           <a:xfrm>
             <a:off x="6411960" y="1300320"/>
-            <a:ext cx="856080" cy="177120"/>
+            <a:ext cx="855720" cy="176760"/>
           </a:xfrm>
           <a:prstGeom prst="rect">
             <a:avLst/>
@@ -4644,7 +4644,7 @@
         <p:spPr>
           <a:xfrm>
             <a:off x="5813280" y="3854880"/>
-            <a:ext cx="856080" cy="177120"/>
+            <a:ext cx="855720" cy="176760"/>
           </a:xfrm>
           <a:prstGeom prst="rect">
             <a:avLst/>
@@ -4698,7 +4698,7 @@
         <p:spPr>
           <a:xfrm>
             <a:off x="7589520" y="2560320"/>
-            <a:ext cx="2188800" cy="2188800"/>
+            <a:ext cx="2188440" cy="2188440"/>
           </a:xfrm>
           <a:prstGeom prst="ellipse">
             <a:avLst/>
@@ -4747,7 +4747,7 @@
         <p:spPr>
           <a:xfrm>
             <a:off x="3200400" y="731520"/>
-            <a:ext cx="1679040" cy="1640160"/>
+            <a:ext cx="1678680" cy="1639800"/>
           </a:xfrm>
           <a:prstGeom prst="ellipse">
             <a:avLst/>
@@ -4796,7 +4796,7 @@
         <p:spPr>
           <a:xfrm>
             <a:off x="1424160" y="3489120"/>
-            <a:ext cx="1679040" cy="1640160"/>
+            <a:ext cx="1678680" cy="1639800"/>
           </a:xfrm>
           <a:prstGeom prst="ellipse">
             <a:avLst/>
@@ -4845,15 +4845,15 @@
         <p:spPr>
           <a:xfrm>
             <a:off x="700920" y="1900080"/>
-            <a:ext cx="1396440" cy="1843200"/>
+            <a:ext cx="1396080" cy="1842840"/>
           </a:xfrm>
           <a:custGeom>
             <a:avLst/>
             <a:gdLst>
-              <a:gd name="textAreaLeft" fmla="*/ 0 w 1396440"/>
-              <a:gd name="textAreaRight" fmla="*/ 1402200 w 1396440"/>
-              <a:gd name="textAreaTop" fmla="*/ 0 h 1843200"/>
-              <a:gd name="textAreaBottom" fmla="*/ 1848960 h 1843200"/>
+              <a:gd name="textAreaLeft" fmla="*/ 0 w 1396080"/>
+              <a:gd name="textAreaRight" fmla="*/ 1402200 w 1396080"/>
+              <a:gd name="textAreaTop" fmla="*/ 0 h 1842840"/>
+              <a:gd name="textAreaBottom" fmla="*/ 1848960 h 1842840"/>
             </a:gdLst>
             <a:ahLst/>
             <a:rect l="textAreaLeft" t="textAreaTop" r="textAreaRight" b="textAreaBottom"/>
@@ -4918,15 +4918,15 @@
         <p:spPr>
           <a:xfrm>
             <a:off x="3931920" y="2011680"/>
-            <a:ext cx="970200" cy="1365840"/>
+            <a:ext cx="969840" cy="1365480"/>
           </a:xfrm>
           <a:custGeom>
             <a:avLst/>
             <a:gdLst>
-              <a:gd name="textAreaLeft" fmla="*/ 0 w 970200"/>
-              <a:gd name="textAreaRight" fmla="*/ 975960 w 970200"/>
-              <a:gd name="textAreaTop" fmla="*/ 0 h 1365840"/>
-              <a:gd name="textAreaBottom" fmla="*/ 1371600 h 1365840"/>
+              <a:gd name="textAreaLeft" fmla="*/ 0 w 969840"/>
+              <a:gd name="textAreaRight" fmla="*/ 975960 w 969840"/>
+              <a:gd name="textAreaTop" fmla="*/ 0 h 1365480"/>
+              <a:gd name="textAreaBottom" fmla="*/ 1371600 h 1365480"/>
             </a:gdLst>
             <a:ahLst/>
             <a:rect l="textAreaLeft" t="textAreaTop" r="textAreaRight" b="textAreaBottom"/>
@@ -5001,15 +5001,15 @@
         <p:spPr>
           <a:xfrm>
             <a:off x="7724880" y="2103120"/>
-            <a:ext cx="773280" cy="1457280"/>
+            <a:ext cx="772920" cy="1456920"/>
           </a:xfrm>
           <a:custGeom>
             <a:avLst/>
             <a:gdLst>
-              <a:gd name="textAreaLeft" fmla="*/ 0 w 773280"/>
-              <a:gd name="textAreaRight" fmla="*/ 779040 w 773280"/>
-              <a:gd name="textAreaTop" fmla="*/ 0 h 1457280"/>
-              <a:gd name="textAreaBottom" fmla="*/ 1463040 h 1457280"/>
+              <a:gd name="textAreaLeft" fmla="*/ 0 w 772920"/>
+              <a:gd name="textAreaRight" fmla="*/ 779040 w 772920"/>
+              <a:gd name="textAreaTop" fmla="*/ 0 h 1456920"/>
+              <a:gd name="textAreaBottom" fmla="*/ 1463040 h 1456920"/>
             </a:gdLst>
             <a:ahLst/>
             <a:rect l="textAreaLeft" t="textAreaTop" r="textAreaRight" b="textAreaBottom"/>
@@ -5084,7 +5084,7 @@
         <p:spPr>
           <a:xfrm>
             <a:off x="1424160" y="4754880"/>
-            <a:ext cx="856080" cy="177120"/>
+            <a:ext cx="855720" cy="176760"/>
           </a:xfrm>
           <a:prstGeom prst="rect">
             <a:avLst/>
@@ -5138,7 +5138,7 @@
         <p:spPr>
           <a:xfrm>
             <a:off x="2887200" y="1300320"/>
-            <a:ext cx="856080" cy="177120"/>
+            <a:ext cx="855720" cy="176760"/>
           </a:xfrm>
           <a:prstGeom prst="rect">
             <a:avLst/>
@@ -5218,9 +5218,9 @@
         <p:grpSpPr>
           <a:xfrm>
             <a:off x="3570480" y="1225440"/>
-            <a:ext cx="5114880" cy="2920320"/>
+            <a:ext cx="5114520" cy="2919960"/>
             <a:chOff x="3570480" y="1225440"/>
-            <a:chExt cx="5114880" cy="2920320"/>
+            <a:chExt cx="5114520" cy="2919960"/>
           </a:xfrm>
         </p:grpSpPr>
         <p:sp>
@@ -5232,7 +5232,7 @@
           <p:spPr>
             <a:xfrm>
               <a:off x="3570480" y="1528200"/>
-              <a:ext cx="4921560" cy="2617560"/>
+              <a:ext cx="4921200" cy="2617200"/>
             </a:xfrm>
             <a:prstGeom prst="rect">
               <a:avLst/>
@@ -5279,7 +5279,7 @@
           <p:spPr>
             <a:xfrm>
               <a:off x="3763800" y="1225440"/>
-              <a:ext cx="4921560" cy="2617560"/>
+              <a:ext cx="4921200" cy="2617200"/>
             </a:xfrm>
             <a:prstGeom prst="rect">
               <a:avLst/>
@@ -5327,10 +5327,10 @@
         </p:nvGrpSpPr>
         <p:grpSpPr>
           <a:xfrm>
-            <a:off x="-2082600" y="-402120"/>
-            <a:ext cx="4929480" cy="8515800"/>
-            <a:chOff x="-2082600" y="-402120"/>
-            <a:chExt cx="4929480" cy="8515800"/>
+            <a:off x="-2081880" y="-402120"/>
+            <a:ext cx="4928400" cy="8515440"/>
+            <a:chOff x="-2081880" y="-402120"/>
+            <a:chExt cx="4928400" cy="8515440"/>
           </a:xfrm>
         </p:grpSpPr>
         <p:sp>
@@ -5342,15 +5342,15 @@
           <p:spPr>
             <a:xfrm>
               <a:off x="-893160" y="4486680"/>
-              <a:ext cx="1067400" cy="760680"/>
+              <a:ext cx="1067040" cy="760320"/>
             </a:xfrm>
             <a:custGeom>
               <a:avLst/>
               <a:gdLst>
-                <a:gd name="textAreaLeft" fmla="*/ 278280 w 1067400"/>
-                <a:gd name="textAreaRight" fmla="*/ 794880 w 1067400"/>
-                <a:gd name="textAreaTop" fmla="*/ 258840 h 760680"/>
-                <a:gd name="textAreaBottom" fmla="*/ 507600 h 760680"/>
+                <a:gd name="textAreaLeft" fmla="*/ 278280 w 1067040"/>
+                <a:gd name="textAreaRight" fmla="*/ 794880 w 1067040"/>
+                <a:gd name="textAreaTop" fmla="*/ 258840 h 760320"/>
+                <a:gd name="textAreaBottom" fmla="*/ 507600 h 760320"/>
               </a:gdLst>
               <a:ahLst/>
               <a:rect l="textAreaLeft" t="textAreaTop" r="textAreaRight" b="textAreaBottom"/>
@@ -5745,16 +5745,16 @@
           </p:nvSpPr>
           <p:spPr>
             <a:xfrm rot="5358000">
-              <a:off x="-885960" y="5147640"/>
-              <a:ext cx="1063080" cy="760680"/>
+              <a:off x="-885240" y="5147280"/>
+              <a:ext cx="1062720" cy="760320"/>
             </a:xfrm>
             <a:custGeom>
               <a:avLst/>
               <a:gdLst>
-                <a:gd name="textAreaLeft" fmla="*/ 277200 w 1063080"/>
-                <a:gd name="textAreaRight" fmla="*/ 792000 w 1063080"/>
-                <a:gd name="textAreaTop" fmla="*/ 258840 h 760680"/>
-                <a:gd name="textAreaBottom" fmla="*/ 507600 h 760680"/>
+                <a:gd name="textAreaLeft" fmla="*/ 277200 w 1062720"/>
+                <a:gd name="textAreaRight" fmla="*/ 792000 w 1062720"/>
+                <a:gd name="textAreaTop" fmla="*/ 258840 h 760320"/>
+                <a:gd name="textAreaBottom" fmla="*/ 507600 h 760320"/>
               </a:gdLst>
               <a:ahLst/>
               <a:rect l="textAreaLeft" t="textAreaTop" r="textAreaRight" b="textAreaBottom"/>
@@ -6150,15 +6150,15 @@
           <p:spPr>
             <a:xfrm>
               <a:off x="-228960" y="5161680"/>
-              <a:ext cx="1067400" cy="760680"/>
+              <a:ext cx="1067040" cy="760320"/>
             </a:xfrm>
             <a:custGeom>
               <a:avLst/>
               <a:gdLst>
-                <a:gd name="textAreaLeft" fmla="*/ 278280 w 1067400"/>
-                <a:gd name="textAreaRight" fmla="*/ 794880 w 1067400"/>
-                <a:gd name="textAreaTop" fmla="*/ 258840 h 760680"/>
-                <a:gd name="textAreaBottom" fmla="*/ 507600 h 760680"/>
+                <a:gd name="textAreaLeft" fmla="*/ 278280 w 1067040"/>
+                <a:gd name="textAreaRight" fmla="*/ 794880 w 1067040"/>
+                <a:gd name="textAreaTop" fmla="*/ 258840 h 760320"/>
+                <a:gd name="textAreaBottom" fmla="*/ 507600 h 760320"/>
               </a:gdLst>
               <a:ahLst/>
               <a:rect l="textAreaLeft" t="textAreaTop" r="textAreaRight" b="textAreaBottom"/>
@@ -6553,16 +6553,16 @@
           </p:nvSpPr>
           <p:spPr>
             <a:xfrm rot="5358000">
-              <a:off x="-214200" y="4488840"/>
-              <a:ext cx="1062720" cy="760680"/>
+              <a:off x="-213840" y="4488840"/>
+              <a:ext cx="1062360" cy="760320"/>
             </a:xfrm>
             <a:custGeom>
               <a:avLst/>
               <a:gdLst>
-                <a:gd name="textAreaLeft" fmla="*/ 276840 w 1062720"/>
-                <a:gd name="textAreaRight" fmla="*/ 791640 w 1062720"/>
-                <a:gd name="textAreaTop" fmla="*/ 258840 h 760680"/>
-                <a:gd name="textAreaBottom" fmla="*/ 507600 h 760680"/>
+                <a:gd name="textAreaLeft" fmla="*/ 276840 w 1062360"/>
+                <a:gd name="textAreaRight" fmla="*/ 791640 w 1062360"/>
+                <a:gd name="textAreaTop" fmla="*/ 258840 h 760320"/>
+                <a:gd name="textAreaBottom" fmla="*/ 507600 h 760320"/>
               </a:gdLst>
               <a:ahLst/>
               <a:rect l="textAreaLeft" t="textAreaTop" r="textAreaRight" b="textAreaBottom"/>
@@ -6958,15 +6958,15 @@
           <p:spPr>
             <a:xfrm>
               <a:off x="-228960" y="3826080"/>
-              <a:ext cx="1067400" cy="760680"/>
+              <a:ext cx="1067040" cy="760320"/>
             </a:xfrm>
             <a:custGeom>
               <a:avLst/>
               <a:gdLst>
-                <a:gd name="textAreaLeft" fmla="*/ 278280 w 1067400"/>
-                <a:gd name="textAreaRight" fmla="*/ 794880 w 1067400"/>
-                <a:gd name="textAreaTop" fmla="*/ 258840 h 760680"/>
-                <a:gd name="textAreaBottom" fmla="*/ 507600 h 760680"/>
+                <a:gd name="textAreaLeft" fmla="*/ 278280 w 1067040"/>
+                <a:gd name="textAreaRight" fmla="*/ 794880 w 1067040"/>
+                <a:gd name="textAreaTop" fmla="*/ 258840 h 760320"/>
+                <a:gd name="textAreaBottom" fmla="*/ 507600 h 760320"/>
               </a:gdLst>
               <a:ahLst/>
               <a:rect l="textAreaLeft" t="textAreaTop" r="textAreaRight" b="textAreaBottom"/>
@@ -7314,7 +7314,7 @@
             <a:blipFill rotWithShape="0">
               <a:blip r:embed="rId2"/>
               <a:srcRect/>
-              <a:tile tx="0" ty="0" sx="69148" sy="69148" algn="ctr"/>
+              <a:tile tx="0" ty="0" sx="68794" sy="68794" algn="ctr"/>
             </a:blipFill>
             <a:ln w="0">
               <a:solidFill>
@@ -7363,16 +7363,16 @@
           </p:nvSpPr>
           <p:spPr>
             <a:xfrm rot="5358000">
-              <a:off x="-1574640" y="4488840"/>
-              <a:ext cx="1063080" cy="760680"/>
+              <a:off x="-1573920" y="4488480"/>
+              <a:ext cx="1062720" cy="760320"/>
             </a:xfrm>
             <a:custGeom>
               <a:avLst/>
               <a:gdLst>
-                <a:gd name="textAreaLeft" fmla="*/ 277200 w 1063080"/>
-                <a:gd name="textAreaRight" fmla="*/ 792000 w 1063080"/>
-                <a:gd name="textAreaTop" fmla="*/ 258840 h 760680"/>
-                <a:gd name="textAreaBottom" fmla="*/ 507600 h 760680"/>
+                <a:gd name="textAreaLeft" fmla="*/ 277200 w 1062720"/>
+                <a:gd name="textAreaRight" fmla="*/ 792000 w 1062720"/>
+                <a:gd name="textAreaTop" fmla="*/ 258840 h 760320"/>
+                <a:gd name="textAreaBottom" fmla="*/ 507600 h 760320"/>
               </a:gdLst>
               <a:ahLst/>
               <a:rect l="textAreaLeft" t="textAreaTop" r="textAreaRight" b="textAreaBottom"/>
@@ -7720,7 +7720,7 @@
             <a:blipFill rotWithShape="0">
               <a:blip r:embed="rId3"/>
               <a:srcRect/>
-              <a:tile tx="0" ty="0" sx="69148" sy="69148" algn="ctr"/>
+              <a:tile tx="0" ty="0" sx="68794" sy="68794" algn="ctr"/>
             </a:blipFill>
             <a:ln w="0">
               <a:solidFill>
@@ -7769,16 +7769,16 @@
           </p:nvSpPr>
           <p:spPr>
             <a:xfrm rot="5358000">
-              <a:off x="-2226960" y="5164920"/>
-              <a:ext cx="1063080" cy="760680"/>
+              <a:off x="-2226240" y="5164560"/>
+              <a:ext cx="1062720" cy="760320"/>
             </a:xfrm>
             <a:custGeom>
               <a:avLst/>
               <a:gdLst>
-                <a:gd name="textAreaLeft" fmla="*/ 277200 w 1063080"/>
-                <a:gd name="textAreaRight" fmla="*/ 792000 w 1063080"/>
-                <a:gd name="textAreaTop" fmla="*/ 258840 h 760680"/>
-                <a:gd name="textAreaBottom" fmla="*/ 507600 h 760680"/>
+                <a:gd name="textAreaLeft" fmla="*/ 277200 w 1062720"/>
+                <a:gd name="textAreaRight" fmla="*/ 792000 w 1062720"/>
+                <a:gd name="textAreaTop" fmla="*/ 258840 h 760320"/>
+                <a:gd name="textAreaBottom" fmla="*/ 507600 h 760320"/>
               </a:gdLst>
               <a:ahLst/>
               <a:rect l="textAreaLeft" t="textAreaTop" r="textAreaRight" b="textAreaBottom"/>
@@ -8173,16 +8173,16 @@
           </p:nvSpPr>
           <p:spPr>
             <a:xfrm rot="5358000">
-              <a:off x="-885600" y="3815640"/>
-              <a:ext cx="1063080" cy="760680"/>
+              <a:off x="-884880" y="3815280"/>
+              <a:ext cx="1062720" cy="760320"/>
             </a:xfrm>
             <a:custGeom>
               <a:avLst/>
               <a:gdLst>
-                <a:gd name="textAreaLeft" fmla="*/ 277200 w 1063080"/>
-                <a:gd name="textAreaRight" fmla="*/ 792000 w 1063080"/>
-                <a:gd name="textAreaTop" fmla="*/ 258840 h 760680"/>
-                <a:gd name="textAreaBottom" fmla="*/ 507600 h 760680"/>
+                <a:gd name="textAreaLeft" fmla="*/ 277200 w 1062720"/>
+                <a:gd name="textAreaRight" fmla="*/ 792000 w 1062720"/>
+                <a:gd name="textAreaTop" fmla="*/ 258840 h 760320"/>
+                <a:gd name="textAreaBottom" fmla="*/ 507600 h 760320"/>
               </a:gdLst>
               <a:ahLst/>
               <a:rect l="textAreaLeft" t="textAreaTop" r="textAreaRight" b="textAreaBottom"/>
@@ -8577,16 +8577,16 @@
           </p:nvSpPr>
           <p:spPr>
             <a:xfrm rot="5358000">
-              <a:off x="-210600" y="3148920"/>
-              <a:ext cx="1063080" cy="760680"/>
+              <a:off x="-209880" y="3148560"/>
+              <a:ext cx="1062720" cy="760320"/>
             </a:xfrm>
             <a:custGeom>
               <a:avLst/>
               <a:gdLst>
-                <a:gd name="textAreaLeft" fmla="*/ 277200 w 1063080"/>
-                <a:gd name="textAreaRight" fmla="*/ 792000 w 1063080"/>
-                <a:gd name="textAreaTop" fmla="*/ 258840 h 760680"/>
-                <a:gd name="textAreaBottom" fmla="*/ 507600 h 760680"/>
+                <a:gd name="textAreaLeft" fmla="*/ 277200 w 1062720"/>
+                <a:gd name="textAreaRight" fmla="*/ 792000 w 1062720"/>
+                <a:gd name="textAreaTop" fmla="*/ 258840 h 760320"/>
+                <a:gd name="textAreaBottom" fmla="*/ 507600 h 760320"/>
               </a:gdLst>
               <a:ahLst/>
               <a:rect l="textAreaLeft" t="textAreaTop" r="textAreaRight" b="textAreaBottom"/>
@@ -8982,15 +8982,15 @@
           <p:spPr>
             <a:xfrm>
               <a:off x="455040" y="4477680"/>
-              <a:ext cx="1067400" cy="760680"/>
+              <a:ext cx="1067040" cy="760320"/>
             </a:xfrm>
             <a:custGeom>
               <a:avLst/>
               <a:gdLst>
-                <a:gd name="textAreaLeft" fmla="*/ 278280 w 1067400"/>
-                <a:gd name="textAreaRight" fmla="*/ 794880 w 1067400"/>
-                <a:gd name="textAreaTop" fmla="*/ 258840 h 760680"/>
-                <a:gd name="textAreaBottom" fmla="*/ 507600 h 760680"/>
+                <a:gd name="textAreaLeft" fmla="*/ 278280 w 1067040"/>
+                <a:gd name="textAreaRight" fmla="*/ 794880 w 1067040"/>
+                <a:gd name="textAreaTop" fmla="*/ 258840 h 760320"/>
+                <a:gd name="textAreaBottom" fmla="*/ 507600 h 760320"/>
               </a:gdLst>
               <a:ahLst/>
               <a:rect l="textAreaLeft" t="textAreaTop" r="textAreaRight" b="textAreaBottom"/>
@@ -9385,16 +9385,16 @@
           </p:nvSpPr>
           <p:spPr>
             <a:xfrm rot="5358000">
-              <a:off x="476280" y="3815640"/>
-              <a:ext cx="1063080" cy="760680"/>
+              <a:off x="476640" y="3815280"/>
+              <a:ext cx="1062720" cy="760320"/>
             </a:xfrm>
             <a:custGeom>
               <a:avLst/>
               <a:gdLst>
-                <a:gd name="textAreaLeft" fmla="*/ 277200 w 1063080"/>
-                <a:gd name="textAreaRight" fmla="*/ 792000 w 1063080"/>
-                <a:gd name="textAreaTop" fmla="*/ 258840 h 760680"/>
-                <a:gd name="textAreaBottom" fmla="*/ 507600 h 760680"/>
+                <a:gd name="textAreaLeft" fmla="*/ 277200 w 1062720"/>
+                <a:gd name="textAreaRight" fmla="*/ 792000 w 1062720"/>
+                <a:gd name="textAreaTop" fmla="*/ 258840 h 760320"/>
+                <a:gd name="textAreaBottom" fmla="*/ 507600 h 760320"/>
               </a:gdLst>
               <a:ahLst/>
               <a:rect l="textAreaLeft" t="textAreaTop" r="textAreaRight" b="textAreaBottom"/>
@@ -9790,15 +9790,15 @@
           <p:spPr>
             <a:xfrm>
               <a:off x="1158840" y="5170680"/>
-              <a:ext cx="1067400" cy="760680"/>
+              <a:ext cx="1067040" cy="760320"/>
             </a:xfrm>
             <a:custGeom>
               <a:avLst/>
               <a:gdLst>
-                <a:gd name="textAreaLeft" fmla="*/ 278280 w 1067400"/>
-                <a:gd name="textAreaRight" fmla="*/ 794880 w 1067400"/>
-                <a:gd name="textAreaTop" fmla="*/ 258840 h 760680"/>
-                <a:gd name="textAreaBottom" fmla="*/ 507600 h 760680"/>
+                <a:gd name="textAreaLeft" fmla="*/ 278280 w 1067040"/>
+                <a:gd name="textAreaRight" fmla="*/ 794880 w 1067040"/>
+                <a:gd name="textAreaTop" fmla="*/ 258840 h 760320"/>
+                <a:gd name="textAreaBottom" fmla="*/ 507600 h 760320"/>
               </a:gdLst>
               <a:ahLst/>
               <a:rect l="textAreaLeft" t="textAreaTop" r="textAreaRight" b="textAreaBottom"/>
@@ -10194,15 +10194,15 @@
           <p:spPr>
             <a:xfrm>
               <a:off x="-1561680" y="5162760"/>
-              <a:ext cx="1067400" cy="760680"/>
+              <a:ext cx="1067040" cy="760320"/>
             </a:xfrm>
             <a:custGeom>
               <a:avLst/>
               <a:gdLst>
-                <a:gd name="textAreaLeft" fmla="*/ 278280 w 1067400"/>
-                <a:gd name="textAreaRight" fmla="*/ 794880 w 1067400"/>
-                <a:gd name="textAreaTop" fmla="*/ 258840 h 760680"/>
-                <a:gd name="textAreaBottom" fmla="*/ 507600 h 760680"/>
+                <a:gd name="textAreaLeft" fmla="*/ 278280 w 1067040"/>
+                <a:gd name="textAreaRight" fmla="*/ 794880 w 1067040"/>
+                <a:gd name="textAreaTop" fmla="*/ 258840 h 760320"/>
+                <a:gd name="textAreaBottom" fmla="*/ 507600 h 760320"/>
               </a:gdLst>
               <a:ahLst/>
               <a:rect l="textAreaLeft" t="textAreaTop" r="textAreaRight" b="textAreaBottom"/>
@@ -10597,16 +10597,16 @@
           </p:nvSpPr>
           <p:spPr>
             <a:xfrm rot="5358000">
-              <a:off x="467280" y="5164920"/>
-              <a:ext cx="1063080" cy="760680"/>
+              <a:off x="467640" y="5164560"/>
+              <a:ext cx="1062720" cy="760320"/>
             </a:xfrm>
             <a:custGeom>
               <a:avLst/>
               <a:gdLst>
-                <a:gd name="textAreaLeft" fmla="*/ 277200 w 1063080"/>
-                <a:gd name="textAreaRight" fmla="*/ 792000 w 1063080"/>
-                <a:gd name="textAreaTop" fmla="*/ 258840 h 760680"/>
-                <a:gd name="textAreaBottom" fmla="*/ 507600 h 760680"/>
+                <a:gd name="textAreaLeft" fmla="*/ 277200 w 1062720"/>
+                <a:gd name="textAreaRight" fmla="*/ 792000 w 1062720"/>
+                <a:gd name="textAreaTop" fmla="*/ 258840 h 760320"/>
+                <a:gd name="textAreaBottom" fmla="*/ 507600 h 760320"/>
               </a:gdLst>
               <a:ahLst/>
               <a:rect l="textAreaLeft" t="textAreaTop" r="textAreaRight" b="textAreaBottom"/>
@@ -11001,16 +11001,16 @@
           </p:nvSpPr>
           <p:spPr>
             <a:xfrm flipH="1" rot="16242000">
-              <a:off x="-226800" y="1788120"/>
-              <a:ext cx="1063080" cy="760680"/>
+              <a:off x="-226080" y="1787760"/>
+              <a:ext cx="1062720" cy="760320"/>
             </a:xfrm>
             <a:custGeom>
               <a:avLst/>
               <a:gdLst>
-                <a:gd name="textAreaLeft" fmla="*/ 273960 w 1063080"/>
-                <a:gd name="textAreaRight" fmla="*/ 788760 w 1063080"/>
-                <a:gd name="textAreaTop" fmla="*/ 258840 h 760680"/>
-                <a:gd name="textAreaBottom" fmla="*/ 507600 h 760680"/>
+                <a:gd name="textAreaLeft" fmla="*/ 273960 w 1062720"/>
+                <a:gd name="textAreaRight" fmla="*/ 788760 w 1062720"/>
+                <a:gd name="textAreaTop" fmla="*/ 258840 h 760320"/>
+                <a:gd name="textAreaBottom" fmla="*/ 507600 h 760320"/>
               </a:gdLst>
               <a:ahLst/>
               <a:rect l="textAreaLeft" t="textAreaTop" r="textAreaRight" b="textAreaBottom"/>
@@ -11405,16 +11405,16 @@
           </p:nvSpPr>
           <p:spPr>
             <a:xfrm flipH="1" rot="16242000">
-              <a:off x="419400" y="2464200"/>
-              <a:ext cx="1063080" cy="760680"/>
+              <a:off x="419760" y="2463840"/>
+              <a:ext cx="1062720" cy="760320"/>
             </a:xfrm>
             <a:custGeom>
               <a:avLst/>
               <a:gdLst>
-                <a:gd name="textAreaLeft" fmla="*/ 273960 w 1063080"/>
-                <a:gd name="textAreaRight" fmla="*/ 788760 w 1063080"/>
-                <a:gd name="textAreaTop" fmla="*/ 258840 h 760680"/>
-                <a:gd name="textAreaBottom" fmla="*/ 507600 h 760680"/>
+                <a:gd name="textAreaLeft" fmla="*/ 273960 w 1062720"/>
+                <a:gd name="textAreaRight" fmla="*/ 788760 w 1062720"/>
+                <a:gd name="textAreaTop" fmla="*/ 258840 h 760320"/>
+                <a:gd name="textAreaBottom" fmla="*/ 507600 h 760320"/>
               </a:gdLst>
               <a:ahLst/>
               <a:rect l="textAreaLeft" t="textAreaTop" r="textAreaRight" b="textAreaBottom"/>
@@ -11810,15 +11810,15 @@
           <p:spPr>
             <a:xfrm flipH="1">
               <a:off x="-252360" y="2462040"/>
-              <a:ext cx="1067400" cy="760680"/>
+              <a:ext cx="1067040" cy="760320"/>
             </a:xfrm>
             <a:custGeom>
               <a:avLst/>
               <a:gdLst>
-                <a:gd name="textAreaLeft" fmla="*/ 281160 w 1067400"/>
-                <a:gd name="textAreaRight" fmla="*/ 797760 w 1067400"/>
-                <a:gd name="textAreaTop" fmla="*/ 258840 h 760680"/>
-                <a:gd name="textAreaBottom" fmla="*/ 507600 h 760680"/>
+                <a:gd name="textAreaLeft" fmla="*/ 281520 w 1067040"/>
+                <a:gd name="textAreaRight" fmla="*/ 798120 w 1067040"/>
+                <a:gd name="textAreaTop" fmla="*/ 258840 h 760320"/>
+                <a:gd name="textAreaBottom" fmla="*/ 507600 h 760320"/>
               </a:gdLst>
               <a:ahLst/>
               <a:rect l="textAreaLeft" t="textAreaTop" r="textAreaRight" b="textAreaBottom"/>
@@ -12214,15 +12214,15 @@
           <p:spPr>
             <a:xfrm>
               <a:off x="1107720" y="1135080"/>
-              <a:ext cx="1067400" cy="760680"/>
+              <a:ext cx="1067040" cy="760320"/>
             </a:xfrm>
             <a:custGeom>
               <a:avLst/>
               <a:gdLst>
-                <a:gd name="textAreaLeft" fmla="*/ 278280 w 1067400"/>
-                <a:gd name="textAreaRight" fmla="*/ 794880 w 1067400"/>
-                <a:gd name="textAreaTop" fmla="*/ 258840 h 760680"/>
-                <a:gd name="textAreaBottom" fmla="*/ 507600 h 760680"/>
+                <a:gd name="textAreaLeft" fmla="*/ 278280 w 1067040"/>
+                <a:gd name="textAreaRight" fmla="*/ 794880 w 1067040"/>
+                <a:gd name="textAreaTop" fmla="*/ 258840 h 760320"/>
+                <a:gd name="textAreaBottom" fmla="*/ 507600 h 760320"/>
               </a:gdLst>
               <a:ahLst/>
               <a:rect l="textAreaLeft" t="textAreaTop" r="textAreaRight" b="textAreaBottom"/>
@@ -12617,16 +12617,16 @@
           </p:nvSpPr>
           <p:spPr>
             <a:xfrm rot="5358000">
-              <a:off x="1108800" y="1796040"/>
-              <a:ext cx="1063080" cy="760680"/>
+              <a:off x="1109160" y="1795680"/>
+              <a:ext cx="1062720" cy="760320"/>
             </a:xfrm>
             <a:custGeom>
               <a:avLst/>
               <a:gdLst>
-                <a:gd name="textAreaLeft" fmla="*/ 277200 w 1063080"/>
-                <a:gd name="textAreaRight" fmla="*/ 792000 w 1063080"/>
-                <a:gd name="textAreaTop" fmla="*/ 258840 h 760680"/>
-                <a:gd name="textAreaBottom" fmla="*/ 507600 h 760680"/>
+                <a:gd name="textAreaLeft" fmla="*/ 277200 w 1062720"/>
+                <a:gd name="textAreaRight" fmla="*/ 792000 w 1062720"/>
+                <a:gd name="textAreaTop" fmla="*/ 258840 h 760320"/>
+                <a:gd name="textAreaBottom" fmla="*/ 507600 h 760320"/>
               </a:gdLst>
               <a:ahLst/>
               <a:rect l="textAreaLeft" t="textAreaTop" r="textAreaRight" b="textAreaBottom"/>
@@ -13021,16 +13021,16 @@
           </p:nvSpPr>
           <p:spPr>
             <a:xfrm rot="5358000">
-              <a:off x="420120" y="1137240"/>
-              <a:ext cx="1063080" cy="760680"/>
+              <a:off x="420480" y="1136880"/>
+              <a:ext cx="1062720" cy="760320"/>
             </a:xfrm>
             <a:custGeom>
               <a:avLst/>
               <a:gdLst>
-                <a:gd name="textAreaLeft" fmla="*/ 277200 w 1063080"/>
-                <a:gd name="textAreaRight" fmla="*/ 792000 w 1063080"/>
-                <a:gd name="textAreaTop" fmla="*/ 258840 h 760680"/>
-                <a:gd name="textAreaBottom" fmla="*/ 507600 h 760680"/>
+                <a:gd name="textAreaLeft" fmla="*/ 277200 w 1062720"/>
+                <a:gd name="textAreaRight" fmla="*/ 792000 w 1062720"/>
+                <a:gd name="textAreaTop" fmla="*/ 258840 h 760320"/>
+                <a:gd name="textAreaBottom" fmla="*/ 507600 h 760320"/>
               </a:gdLst>
               <a:ahLst/>
               <a:rect l="textAreaLeft" t="textAreaTop" r="textAreaRight" b="textAreaBottom"/>
@@ -13378,7 +13378,7 @@
             <a:blipFill rotWithShape="0">
               <a:blip r:embed="rId4"/>
               <a:srcRect/>
-              <a:tile tx="0" ty="0" sx="69148" sy="69148" algn="ctr"/>
+              <a:tile tx="0" ty="0" sx="68794" sy="68794" algn="ctr"/>
             </a:blipFill>
             <a:ln w="0">
               <a:solidFill>
@@ -13428,15 +13428,15 @@
           <p:spPr>
             <a:xfrm>
               <a:off x="439200" y="1811160"/>
-              <a:ext cx="1067400" cy="760680"/>
+              <a:ext cx="1067040" cy="760320"/>
             </a:xfrm>
             <a:custGeom>
               <a:avLst/>
               <a:gdLst>
-                <a:gd name="textAreaLeft" fmla="*/ 278280 w 1067400"/>
-                <a:gd name="textAreaRight" fmla="*/ 794880 w 1067400"/>
-                <a:gd name="textAreaTop" fmla="*/ 258840 h 760680"/>
-                <a:gd name="textAreaBottom" fmla="*/ 507600 h 760680"/>
+                <a:gd name="textAreaLeft" fmla="*/ 278280 w 1067040"/>
+                <a:gd name="textAreaRight" fmla="*/ 794880 w 1067040"/>
+                <a:gd name="textAreaTop" fmla="*/ 258840 h 760320"/>
+                <a:gd name="textAreaBottom" fmla="*/ 507600 h 760320"/>
               </a:gdLst>
               <a:ahLst/>
               <a:rect l="textAreaLeft" t="textAreaTop" r="textAreaRight" b="textAreaBottom"/>
@@ -13832,15 +13832,15 @@
           <p:spPr>
             <a:xfrm>
               <a:off x="423720" y="451080"/>
-              <a:ext cx="1067400" cy="760680"/>
+              <a:ext cx="1067040" cy="760320"/>
             </a:xfrm>
             <a:custGeom>
               <a:avLst/>
               <a:gdLst>
-                <a:gd name="textAreaLeft" fmla="*/ 278280 w 1067400"/>
-                <a:gd name="textAreaRight" fmla="*/ 794880 w 1067400"/>
-                <a:gd name="textAreaTop" fmla="*/ 258840 h 760680"/>
-                <a:gd name="textAreaBottom" fmla="*/ 507600 h 760680"/>
+                <a:gd name="textAreaLeft" fmla="*/ 278280 w 1067040"/>
+                <a:gd name="textAreaRight" fmla="*/ 794880 w 1067040"/>
+                <a:gd name="textAreaTop" fmla="*/ 258840 h 760320"/>
+                <a:gd name="textAreaBottom" fmla="*/ 507600 h 760320"/>
               </a:gdLst>
               <a:ahLst/>
               <a:rect l="textAreaLeft" t="textAreaTop" r="textAreaRight" b="textAreaBottom"/>
@@ -14235,16 +14235,16 @@
           </p:nvSpPr>
           <p:spPr>
             <a:xfrm rot="5358000">
-              <a:off x="-235080" y="433080"/>
-              <a:ext cx="1063080" cy="760680"/>
+              <a:off x="-234360" y="432720"/>
+              <a:ext cx="1062720" cy="760320"/>
             </a:xfrm>
             <a:custGeom>
               <a:avLst/>
               <a:gdLst>
-                <a:gd name="textAreaLeft" fmla="*/ 277200 w 1063080"/>
-                <a:gd name="textAreaRight" fmla="*/ 792000 w 1063080"/>
-                <a:gd name="textAreaTop" fmla="*/ 258840 h 760680"/>
-                <a:gd name="textAreaBottom" fmla="*/ 507600 h 760680"/>
+                <a:gd name="textAreaLeft" fmla="*/ 277200 w 1062720"/>
+                <a:gd name="textAreaRight" fmla="*/ 792000 w 1062720"/>
+                <a:gd name="textAreaTop" fmla="*/ 258840 h 760320"/>
+                <a:gd name="textAreaBottom" fmla="*/ 507600 h 760320"/>
               </a:gdLst>
               <a:ahLst/>
               <a:rect l="textAreaLeft" t="textAreaTop" r="textAreaRight" b="textAreaBottom"/>
@@ -14639,16 +14639,16 @@
           </p:nvSpPr>
           <p:spPr>
             <a:xfrm rot="5358000">
-              <a:off x="440640" y="-246240"/>
-              <a:ext cx="1063080" cy="760680"/>
+              <a:off x="441000" y="-246240"/>
+              <a:ext cx="1062720" cy="760320"/>
             </a:xfrm>
             <a:custGeom>
               <a:avLst/>
               <a:gdLst>
-                <a:gd name="textAreaLeft" fmla="*/ 277200 w 1063080"/>
-                <a:gd name="textAreaRight" fmla="*/ 792000 w 1063080"/>
-                <a:gd name="textAreaTop" fmla="*/ 258840 h 760680"/>
-                <a:gd name="textAreaBottom" fmla="*/ 507600 h 760680"/>
+                <a:gd name="textAreaLeft" fmla="*/ 277200 w 1062720"/>
+                <a:gd name="textAreaRight" fmla="*/ 792000 w 1062720"/>
+                <a:gd name="textAreaTop" fmla="*/ 258840 h 760320"/>
+                <a:gd name="textAreaBottom" fmla="*/ 507600 h 760320"/>
               </a:gdLst>
               <a:ahLst/>
               <a:rect l="textAreaLeft" t="textAreaTop" r="textAreaRight" b="textAreaBottom"/>
@@ -15044,15 +15044,15 @@
           <p:spPr>
             <a:xfrm>
               <a:off x="1779480" y="1794600"/>
-              <a:ext cx="1067400" cy="760680"/>
+              <a:ext cx="1067040" cy="760320"/>
             </a:xfrm>
             <a:custGeom>
               <a:avLst/>
               <a:gdLst>
-                <a:gd name="textAreaLeft" fmla="*/ 278280 w 1067400"/>
-                <a:gd name="textAreaRight" fmla="*/ 794880 w 1067400"/>
-                <a:gd name="textAreaTop" fmla="*/ 258840 h 760680"/>
-                <a:gd name="textAreaBottom" fmla="*/ 507600 h 760680"/>
+                <a:gd name="textAreaLeft" fmla="*/ 278280 w 1067040"/>
+                <a:gd name="textAreaRight" fmla="*/ 794880 w 1067040"/>
+                <a:gd name="textAreaTop" fmla="*/ 258840 h 760320"/>
+                <a:gd name="textAreaBottom" fmla="*/ 507600 h 760320"/>
               </a:gdLst>
               <a:ahLst/>
               <a:rect l="textAreaLeft" t="textAreaTop" r="textAreaRight" b="textAreaBottom"/>
@@ -15448,15 +15448,15 @@
           <p:spPr>
             <a:xfrm>
               <a:off x="1106280" y="-257040"/>
-              <a:ext cx="1067400" cy="760680"/>
+              <a:ext cx="1067040" cy="760320"/>
             </a:xfrm>
             <a:custGeom>
               <a:avLst/>
               <a:gdLst>
-                <a:gd name="textAreaLeft" fmla="*/ 278280 w 1067400"/>
-                <a:gd name="textAreaRight" fmla="*/ 794880 w 1067400"/>
-                <a:gd name="textAreaTop" fmla="*/ 258840 h 760680"/>
-                <a:gd name="textAreaBottom" fmla="*/ 507600 h 760680"/>
+                <a:gd name="textAreaLeft" fmla="*/ 278280 w 1067040"/>
+                <a:gd name="textAreaRight" fmla="*/ 794880 w 1067040"/>
+                <a:gd name="textAreaTop" fmla="*/ 258840 h 760320"/>
+                <a:gd name="textAreaBottom" fmla="*/ 507600 h 760320"/>
               </a:gdLst>
               <a:ahLst/>
               <a:rect l="textAreaLeft" t="textAreaTop" r="textAreaRight" b="textAreaBottom"/>
@@ -15804,7 +15804,7 @@
             <a:blipFill rotWithShape="0">
               <a:blip r:embed="rId5"/>
               <a:srcRect/>
-              <a:tile tx="0" ty="0" sx="69148" sy="69148" algn="ctr"/>
+              <a:tile tx="0" ty="0" sx="68794" sy="68794" algn="ctr"/>
             </a:blipFill>
             <a:ln w="0">
               <a:solidFill>
@@ -15854,15 +15854,15 @@
           <p:spPr>
             <a:xfrm>
               <a:off x="-908280" y="1790640"/>
-              <a:ext cx="1067400" cy="760680"/>
+              <a:ext cx="1067040" cy="760320"/>
             </a:xfrm>
             <a:custGeom>
               <a:avLst/>
               <a:gdLst>
-                <a:gd name="textAreaLeft" fmla="*/ 278280 w 1067400"/>
-                <a:gd name="textAreaRight" fmla="*/ 794880 w 1067400"/>
-                <a:gd name="textAreaTop" fmla="*/ 258840 h 760680"/>
-                <a:gd name="textAreaBottom" fmla="*/ 507600 h 760680"/>
+                <a:gd name="textAreaLeft" fmla="*/ 278280 w 1067040"/>
+                <a:gd name="textAreaRight" fmla="*/ 794880 w 1067040"/>
+                <a:gd name="textAreaTop" fmla="*/ 258840 h 760320"/>
+                <a:gd name="textAreaBottom" fmla="*/ 507600 h 760320"/>
               </a:gdLst>
               <a:ahLst/>
               <a:rect l="textAreaLeft" t="textAreaTop" r="textAreaRight" b="textAreaBottom"/>
@@ -16210,7 +16210,7 @@
             <a:blipFill rotWithShape="0">
               <a:blip r:embed="rId6"/>
               <a:srcRect/>
-              <a:tile tx="0" ty="0" sx="69148" sy="69148" algn="ctr"/>
+              <a:tile tx="0" ty="0" sx="68794" sy="68794" algn="ctr"/>
             </a:blipFill>
             <a:ln w="0">
               <a:solidFill>
@@ -16259,16 +16259,16 @@
           </p:nvSpPr>
           <p:spPr>
             <a:xfrm rot="5358000">
-              <a:off x="-234360" y="5819400"/>
-              <a:ext cx="1063080" cy="760680"/>
+              <a:off x="-233640" y="5819040"/>
+              <a:ext cx="1062720" cy="760320"/>
             </a:xfrm>
             <a:custGeom>
               <a:avLst/>
               <a:gdLst>
-                <a:gd name="textAreaLeft" fmla="*/ 277200 w 1063080"/>
-                <a:gd name="textAreaRight" fmla="*/ 792000 w 1063080"/>
-                <a:gd name="textAreaTop" fmla="*/ 258840 h 760680"/>
-                <a:gd name="textAreaBottom" fmla="*/ 507600 h 760680"/>
+                <a:gd name="textAreaLeft" fmla="*/ 277200 w 1062720"/>
+                <a:gd name="textAreaRight" fmla="*/ 792000 w 1062720"/>
+                <a:gd name="textAreaTop" fmla="*/ 258840 h 760320"/>
+                <a:gd name="textAreaBottom" fmla="*/ 507600 h 760320"/>
               </a:gdLst>
               <a:ahLst/>
               <a:rect l="textAreaLeft" t="textAreaTop" r="textAreaRight" b="textAreaBottom"/>
@@ -16664,15 +16664,15 @@
           <p:spPr>
             <a:xfrm>
               <a:off x="427320" y="5853960"/>
-              <a:ext cx="1067400" cy="760680"/>
+              <a:ext cx="1067040" cy="760320"/>
             </a:xfrm>
             <a:custGeom>
               <a:avLst/>
               <a:gdLst>
-                <a:gd name="textAreaLeft" fmla="*/ 278280 w 1067400"/>
-                <a:gd name="textAreaRight" fmla="*/ 794880 w 1067400"/>
-                <a:gd name="textAreaTop" fmla="*/ 258840 h 760680"/>
-                <a:gd name="textAreaBottom" fmla="*/ 507600 h 760680"/>
+                <a:gd name="textAreaLeft" fmla="*/ 278280 w 1067040"/>
+                <a:gd name="textAreaRight" fmla="*/ 794880 w 1067040"/>
+                <a:gd name="textAreaTop" fmla="*/ 258840 h 760320"/>
+                <a:gd name="textAreaBottom" fmla="*/ 507600 h 760320"/>
               </a:gdLst>
               <a:ahLst/>
               <a:rect l="textAreaLeft" t="textAreaTop" r="textAreaRight" b="textAreaBottom"/>
@@ -17020,7 +17020,7 @@
             <a:blipFill rotWithShape="0">
               <a:blip r:embed="rId7"/>
               <a:srcRect/>
-              <a:tile tx="0" ty="0" sx="69148" sy="69148" algn="ctr"/>
+              <a:tile tx="0" ty="0" sx="68794" sy="68794" algn="ctr"/>
             </a:blipFill>
             <a:ln w="0">
               <a:solidFill>
@@ -17070,15 +17070,15 @@
           <p:spPr>
             <a:xfrm>
               <a:off x="-236880" y="6494040"/>
-              <a:ext cx="1067400" cy="760680"/>
+              <a:ext cx="1067040" cy="760320"/>
             </a:xfrm>
             <a:custGeom>
               <a:avLst/>
               <a:gdLst>
-                <a:gd name="textAreaLeft" fmla="*/ 278280 w 1067400"/>
-                <a:gd name="textAreaRight" fmla="*/ 794880 w 1067400"/>
-                <a:gd name="textAreaTop" fmla="*/ 258840 h 760680"/>
-                <a:gd name="textAreaBottom" fmla="*/ 507600 h 760680"/>
+                <a:gd name="textAreaLeft" fmla="*/ 278280 w 1067040"/>
+                <a:gd name="textAreaRight" fmla="*/ 794880 w 1067040"/>
+                <a:gd name="textAreaTop" fmla="*/ 258840 h 760320"/>
+                <a:gd name="textAreaBottom" fmla="*/ 507600 h 760320"/>
               </a:gdLst>
               <a:ahLst/>
               <a:rect l="textAreaLeft" t="textAreaTop" r="textAreaRight" b="textAreaBottom"/>
@@ -17473,16 +17473,16 @@
           </p:nvSpPr>
           <p:spPr>
             <a:xfrm rot="5358000">
-              <a:off x="-918360" y="6496200"/>
-              <a:ext cx="1063080" cy="760680"/>
+              <a:off x="-917640" y="6495840"/>
+              <a:ext cx="1062720" cy="760320"/>
             </a:xfrm>
             <a:custGeom>
               <a:avLst/>
               <a:gdLst>
-                <a:gd name="textAreaLeft" fmla="*/ 277200 w 1063080"/>
-                <a:gd name="textAreaRight" fmla="*/ 792000 w 1063080"/>
-                <a:gd name="textAreaTop" fmla="*/ 258840 h 760680"/>
-                <a:gd name="textAreaBottom" fmla="*/ 507600 h 760680"/>
+                <a:gd name="textAreaLeft" fmla="*/ 277200 w 1062720"/>
+                <a:gd name="textAreaRight" fmla="*/ 792000 w 1062720"/>
+                <a:gd name="textAreaTop" fmla="*/ 258840 h 760320"/>
+                <a:gd name="textAreaBottom" fmla="*/ 507600 h 760320"/>
               </a:gdLst>
               <a:ahLst/>
               <a:rect l="textAreaLeft" t="textAreaTop" r="textAreaRight" b="textAreaBottom"/>
@@ -17877,16 +17877,16 @@
           </p:nvSpPr>
           <p:spPr>
             <a:xfrm rot="5358000">
-              <a:off x="-240840" y="7197120"/>
-              <a:ext cx="1062720" cy="760680"/>
+              <a:off x="-240480" y="7197120"/>
+              <a:ext cx="1062360" cy="760320"/>
             </a:xfrm>
             <a:custGeom>
               <a:avLst/>
               <a:gdLst>
-                <a:gd name="textAreaLeft" fmla="*/ 276840 w 1062720"/>
-                <a:gd name="textAreaRight" fmla="*/ 791640 w 1062720"/>
-                <a:gd name="textAreaTop" fmla="*/ 258840 h 760680"/>
-                <a:gd name="textAreaBottom" fmla="*/ 507600 h 760680"/>
+                <a:gd name="textAreaLeft" fmla="*/ 276840 w 1062360"/>
+                <a:gd name="textAreaRight" fmla="*/ 791640 w 1062360"/>
+                <a:gd name="textAreaTop" fmla="*/ 258840 h 760320"/>
+                <a:gd name="textAreaBottom" fmla="*/ 507600 h 760320"/>
               </a:gdLst>
               <a:ahLst/>
               <a:rect l="textAreaLeft" t="textAreaTop" r="textAreaRight" b="textAreaBottom"/>
@@ -18281,16 +18281,16 @@
           </p:nvSpPr>
           <p:spPr>
             <a:xfrm rot="5358000">
-              <a:off x="432360" y="6512760"/>
-              <a:ext cx="1063080" cy="760680"/>
+              <a:off x="432720" y="6512400"/>
+              <a:ext cx="1062720" cy="760320"/>
             </a:xfrm>
             <a:custGeom>
               <a:avLst/>
               <a:gdLst>
-                <a:gd name="textAreaLeft" fmla="*/ 277200 w 1063080"/>
-                <a:gd name="textAreaRight" fmla="*/ 792000 w 1063080"/>
-                <a:gd name="textAreaTop" fmla="*/ 258840 h 760680"/>
-                <a:gd name="textAreaBottom" fmla="*/ 507600 h 760680"/>
+                <a:gd name="textAreaLeft" fmla="*/ 277200 w 1062720"/>
+                <a:gd name="textAreaRight" fmla="*/ 792000 w 1062720"/>
+                <a:gd name="textAreaTop" fmla="*/ 258840 h 760320"/>
+                <a:gd name="textAreaBottom" fmla="*/ 507600 h 760320"/>
               </a:gdLst>
               <a:ahLst/>
               <a:rect l="textAreaLeft" t="textAreaTop" r="textAreaRight" b="textAreaBottom"/>
@@ -18686,15 +18686,15 @@
           <p:spPr>
             <a:xfrm>
               <a:off x="1103400" y="6530040"/>
-              <a:ext cx="1067400" cy="760680"/>
+              <a:ext cx="1067040" cy="760320"/>
             </a:xfrm>
             <a:custGeom>
               <a:avLst/>
               <a:gdLst>
-                <a:gd name="textAreaLeft" fmla="*/ 278280 w 1067400"/>
-                <a:gd name="textAreaRight" fmla="*/ 794880 w 1067400"/>
-                <a:gd name="textAreaTop" fmla="*/ 258840 h 760680"/>
-                <a:gd name="textAreaBottom" fmla="*/ 507600 h 760680"/>
+                <a:gd name="textAreaLeft" fmla="*/ 278280 w 1067040"/>
+                <a:gd name="textAreaRight" fmla="*/ 794880 w 1067040"/>
+                <a:gd name="textAreaTop" fmla="*/ 258840 h 760320"/>
+                <a:gd name="textAreaBottom" fmla="*/ 507600 h 760320"/>
               </a:gdLst>
               <a:ahLst/>
               <a:rect l="textAreaLeft" t="textAreaTop" r="textAreaRight" b="textAreaBottom"/>
@@ -19091,7 +19091,7 @@
         <p:spPr>
           <a:xfrm>
             <a:off x="3844800" y="1408320"/>
-            <a:ext cx="1091520" cy="1220040"/>
+            <a:ext cx="1091160" cy="1219680"/>
           </a:xfrm>
           <a:prstGeom prst="rect">
             <a:avLst/>
@@ -19145,7 +19145,7 @@
         <p:spPr>
           <a:xfrm>
             <a:off x="7868160" y="3039840"/>
-            <a:ext cx="1091520" cy="1105920"/>
+            <a:ext cx="1091160" cy="1105560"/>
           </a:xfrm>
           <a:prstGeom prst="rect">
             <a:avLst/>
@@ -19199,15 +19199,15 @@
         <p:spPr>
           <a:xfrm>
             <a:off x="8538120" y="3877200"/>
-            <a:ext cx="970200" cy="1365840"/>
+            <a:ext cx="969840" cy="1365480"/>
           </a:xfrm>
           <a:custGeom>
             <a:avLst/>
             <a:gdLst>
-              <a:gd name="textAreaLeft" fmla="*/ 0 w 970200"/>
-              <a:gd name="textAreaRight" fmla="*/ 975960 w 970200"/>
-              <a:gd name="textAreaTop" fmla="*/ 0 h 1365840"/>
-              <a:gd name="textAreaBottom" fmla="*/ 1371600 h 1365840"/>
+              <a:gd name="textAreaLeft" fmla="*/ 0 w 969840"/>
+              <a:gd name="textAreaRight" fmla="*/ 975960 w 969840"/>
+              <a:gd name="textAreaTop" fmla="*/ 0 h 1365480"/>
+              <a:gd name="textAreaBottom" fmla="*/ 1371600 h 1365480"/>
             </a:gdLst>
             <a:ahLst/>
             <a:rect l="textAreaLeft" t="textAreaTop" r="textAreaRight" b="textAreaBottom"/>
@@ -19282,7 +19282,7 @@
         <p:spPr>
           <a:xfrm>
             <a:off x="7372080" y="4974480"/>
-            <a:ext cx="1679040" cy="1640160"/>
+            <a:ext cx="1678680" cy="1639800"/>
           </a:xfrm>
           <a:prstGeom prst="ellipse">
             <a:avLst/>
@@ -19331,7 +19331,7 @@
         <p:spPr>
           <a:xfrm>
             <a:off x="7868160" y="-329040"/>
-            <a:ext cx="2005920" cy="2005920"/>
+            <a:ext cx="2005560" cy="2005560"/>
           </a:xfrm>
           <a:prstGeom prst="ellipse">
             <a:avLst/>
@@ -19380,7 +19380,7 @@
         <p:spPr>
           <a:xfrm>
             <a:off x="2982960" y="3757320"/>
-            <a:ext cx="1038960" cy="297000"/>
+            <a:ext cx="1038600" cy="296640"/>
           </a:xfrm>
           <a:prstGeom prst="rect">
             <a:avLst/>
@@ -19460,7 +19460,7 @@
         <p:spPr>
           <a:xfrm>
             <a:off x="8266320" y="4115520"/>
-            <a:ext cx="1914480" cy="1914480"/>
+            <a:ext cx="1914120" cy="1914120"/>
           </a:xfrm>
           <a:prstGeom prst="ellipse">
             <a:avLst/>
@@ -19509,7 +19509,7 @@
         <p:spPr>
           <a:xfrm>
             <a:off x="7717680" y="-548280"/>
-            <a:ext cx="1914480" cy="1914480"/>
+            <a:ext cx="1914120" cy="1914120"/>
           </a:xfrm>
           <a:prstGeom prst="ellipse">
             <a:avLst/>
@@ -19557,10 +19557,10 @@
         </p:nvGrpSpPr>
         <p:grpSpPr>
           <a:xfrm>
-            <a:off x="-141840" y="-290520"/>
-            <a:ext cx="904320" cy="1269720"/>
-            <a:chOff x="-141840" y="-290520"/>
-            <a:chExt cx="904320" cy="1269720"/>
+            <a:off x="-141480" y="-290160"/>
+            <a:ext cx="903600" cy="1269000"/>
+            <a:chOff x="-141480" y="-290160"/>
+            <a:chExt cx="903600" cy="1269000"/>
           </a:xfrm>
         </p:grpSpPr>
         <p:sp>
@@ -19571,8 +19571,8 @@
           </p:nvSpPr>
           <p:spPr>
             <a:xfrm flipV="1" rot="5395800">
-              <a:off x="219240" y="801000"/>
-              <a:ext cx="177120" cy="177120"/>
+              <a:off x="219240" y="801360"/>
+              <a:ext cx="176760" cy="176760"/>
             </a:xfrm>
             <a:prstGeom prst="ellipse">
               <a:avLst/>
@@ -19580,7 +19580,7 @@
             <a:blipFill rotWithShape="0">
               <a:blip r:embed="rId2"/>
               <a:srcRect/>
-              <a:tile tx="0" ty="0" sx="69148" sy="69148" algn="ctr"/>
+              <a:tile tx="0" ty="0" sx="68794" sy="68794" algn="ctr"/>
             </a:blipFill>
             <a:ln w="0">
               <a:noFill/>
@@ -19627,8 +19627,8 @@
           </p:nvSpPr>
           <p:spPr>
             <a:xfrm flipV="1" rot="5395800">
-              <a:off x="218880" y="435240"/>
-              <a:ext cx="177120" cy="177120"/>
+              <a:off x="218880" y="435600"/>
+              <a:ext cx="176760" cy="176760"/>
             </a:xfrm>
             <a:prstGeom prst="ellipse">
               <a:avLst/>
@@ -19636,7 +19636,7 @@
             <a:blipFill rotWithShape="0">
               <a:blip r:embed="rId3"/>
               <a:srcRect/>
-              <a:tile tx="0" ty="0" sx="69148" sy="69148" algn="ctr"/>
+              <a:tile tx="0" ty="0" sx="68794" sy="68794" algn="ctr"/>
             </a:blipFill>
             <a:ln w="0">
               <a:noFill/>
@@ -19683,8 +19683,8 @@
           </p:nvSpPr>
           <p:spPr>
             <a:xfrm flipV="1" rot="5395800">
-              <a:off x="218520" y="69840"/>
-              <a:ext cx="177120" cy="177120"/>
+              <a:off x="218520" y="70200"/>
+              <a:ext cx="176760" cy="176760"/>
             </a:xfrm>
             <a:prstGeom prst="ellipse">
               <a:avLst/>
@@ -19692,7 +19692,7 @@
             <a:blipFill rotWithShape="0">
               <a:blip r:embed="rId4"/>
               <a:srcRect/>
-              <a:tile tx="0" ty="0" sx="69148" sy="69148" algn="ctr"/>
+              <a:tile tx="0" ty="0" sx="68794" sy="68794" algn="ctr"/>
             </a:blipFill>
             <a:ln w="0">
               <a:noFill/>
@@ -19739,8 +19739,8 @@
           </p:nvSpPr>
           <p:spPr>
             <a:xfrm flipV="1" rot="5395800">
-              <a:off x="217800" y="-290160"/>
-              <a:ext cx="177120" cy="177120"/>
+              <a:off x="217800" y="-289440"/>
+              <a:ext cx="176760" cy="176760"/>
             </a:xfrm>
             <a:prstGeom prst="ellipse">
               <a:avLst/>
@@ -19748,7 +19748,7 @@
             <a:blipFill rotWithShape="0">
               <a:blip r:embed="rId5"/>
               <a:srcRect/>
-              <a:tile tx="0" ty="0" sx="69148" sy="69148" algn="ctr"/>
+              <a:tile tx="0" ty="0" sx="68794" sy="68794" algn="ctr"/>
             </a:blipFill>
             <a:ln w="0">
               <a:noFill/>
@@ -19795,8 +19795,8 @@
           </p:nvSpPr>
           <p:spPr>
             <a:xfrm flipV="1" rot="5395800">
-              <a:off x="583920" y="-290520"/>
-              <a:ext cx="177120" cy="177120"/>
+              <a:off x="583920" y="-289800"/>
+              <a:ext cx="176760" cy="176760"/>
             </a:xfrm>
             <a:prstGeom prst="ellipse">
               <a:avLst/>
@@ -19804,7 +19804,7 @@
             <a:blipFill rotWithShape="0">
               <a:blip r:embed="rId6"/>
               <a:srcRect/>
-              <a:tile tx="0" ty="0" sx="69148" sy="69148" algn="ctr"/>
+              <a:tile tx="0" ty="0" sx="68794" sy="68794" algn="ctr"/>
             </a:blipFill>
             <a:ln w="0">
               <a:noFill/>
@@ -19851,8 +19851,8 @@
           </p:nvSpPr>
           <p:spPr>
             <a:xfrm flipV="1" rot="5395800">
-              <a:off x="584280" y="69120"/>
-              <a:ext cx="177120" cy="177120"/>
+              <a:off x="584280" y="69480"/>
+              <a:ext cx="176760" cy="176760"/>
             </a:xfrm>
             <a:prstGeom prst="ellipse">
               <a:avLst/>
@@ -19860,7 +19860,7 @@
             <a:blipFill rotWithShape="0">
               <a:blip r:embed="rId7"/>
               <a:srcRect/>
-              <a:tile tx="0" ty="0" sx="69148" sy="69148" algn="ctr"/>
+              <a:tile tx="0" ty="0" sx="68794" sy="68794" algn="ctr"/>
             </a:blipFill>
             <a:ln w="0">
               <a:noFill/>
@@ -19907,8 +19907,8 @@
           </p:nvSpPr>
           <p:spPr>
             <a:xfrm flipV="1" rot="5395800">
-              <a:off x="584280" y="434880"/>
-              <a:ext cx="177120" cy="177120"/>
+              <a:off x="584280" y="435240"/>
+              <a:ext cx="176760" cy="176760"/>
             </a:xfrm>
             <a:prstGeom prst="ellipse">
               <a:avLst/>
@@ -19916,7 +19916,7 @@
             <a:blipFill rotWithShape="0">
               <a:blip r:embed="rId8"/>
               <a:srcRect/>
-              <a:tile tx="0" ty="0" sx="69148" sy="69148" algn="ctr"/>
+              <a:tile tx="0" ty="0" sx="68794" sy="68794" algn="ctr"/>
             </a:blipFill>
             <a:ln w="0">
               <a:noFill/>
@@ -19963,8 +19963,8 @@
           </p:nvSpPr>
           <p:spPr>
             <a:xfrm flipV="1" rot="5395800">
-              <a:off x="585000" y="801000"/>
-              <a:ext cx="177120" cy="177120"/>
+              <a:off x="585000" y="801360"/>
+              <a:ext cx="176760" cy="176760"/>
             </a:xfrm>
             <a:prstGeom prst="ellipse">
               <a:avLst/>
@@ -19972,7 +19972,7 @@
             <a:blipFill rotWithShape="0">
               <a:blip r:embed="rId9"/>
               <a:srcRect/>
-              <a:tile tx="0" ty="0" sx="69148" sy="69148" algn="ctr"/>
+              <a:tile tx="0" ty="0" sx="68794" sy="68794" algn="ctr"/>
             </a:blipFill>
             <a:ln w="0">
               <a:noFill/>
@@ -20019,8 +20019,8 @@
           </p:nvSpPr>
           <p:spPr>
             <a:xfrm flipV="1" rot="5395800">
-              <a:off x="-140400" y="801360"/>
-              <a:ext cx="177120" cy="177120"/>
+              <a:off x="-140040" y="801720"/>
+              <a:ext cx="176760" cy="176760"/>
             </a:xfrm>
             <a:prstGeom prst="ellipse">
               <a:avLst/>
@@ -20028,7 +20028,7 @@
             <a:blipFill rotWithShape="0">
               <a:blip r:embed="rId10"/>
               <a:srcRect/>
-              <a:tile tx="0" ty="0" sx="69148" sy="69148" algn="ctr"/>
+              <a:tile tx="0" ty="0" sx="68794" sy="68794" algn="ctr"/>
             </a:blipFill>
             <a:ln w="0">
               <a:noFill/>
@@ -20075,8 +20075,8 @@
           </p:nvSpPr>
           <p:spPr>
             <a:xfrm flipV="1" rot="5395800">
-              <a:off x="-141120" y="435960"/>
-              <a:ext cx="177120" cy="177120"/>
+              <a:off x="-140760" y="436320"/>
+              <a:ext cx="176760" cy="176760"/>
             </a:xfrm>
             <a:prstGeom prst="ellipse">
               <a:avLst/>
@@ -20084,7 +20084,7 @@
             <a:blipFill rotWithShape="0">
               <a:blip r:embed="rId11"/>
               <a:srcRect/>
-              <a:tile tx="0" ty="0" sx="69148" sy="69148" algn="ctr"/>
+              <a:tile tx="0" ty="0" sx="68794" sy="68794" algn="ctr"/>
             </a:blipFill>
             <a:ln w="0">
               <a:noFill/>
@@ -20131,8 +20131,8 @@
           </p:nvSpPr>
           <p:spPr>
             <a:xfrm flipV="1" rot="5395800">
-              <a:off x="-141120" y="69840"/>
-              <a:ext cx="177120" cy="177120"/>
+              <a:off x="-140760" y="70200"/>
+              <a:ext cx="176760" cy="176760"/>
             </a:xfrm>
             <a:prstGeom prst="ellipse">
               <a:avLst/>
@@ -20140,7 +20140,7 @@
             <a:blipFill rotWithShape="0">
               <a:blip r:embed="rId12"/>
               <a:srcRect/>
-              <a:tile tx="0" ty="0" sx="69148" sy="69148" algn="ctr"/>
+              <a:tile tx="0" ty="0" sx="68794" sy="68794" algn="ctr"/>
             </a:blipFill>
             <a:ln w="0">
               <a:noFill/>
@@ -20187,8 +20187,8 @@
           </p:nvSpPr>
           <p:spPr>
             <a:xfrm flipV="1" rot="5395800">
-              <a:off x="-141480" y="-289800"/>
-              <a:ext cx="177120" cy="177120"/>
+              <a:off x="-141120" y="-289080"/>
+              <a:ext cx="176760" cy="176760"/>
             </a:xfrm>
             <a:prstGeom prst="ellipse">
               <a:avLst/>
@@ -20196,7 +20196,7 @@
             <a:blipFill rotWithShape="0">
               <a:blip r:embed="rId13"/>
               <a:srcRect/>
-              <a:tile tx="0" ty="0" sx="69148" sy="69148" algn="ctr"/>
+              <a:tile tx="0" ty="0" sx="68794" sy="68794" algn="ctr"/>
             </a:blipFill>
             <a:ln w="0">
               <a:noFill/>
@@ -20245,9 +20245,9 @@
         <p:grpSpPr>
           <a:xfrm>
             <a:off x="9545040" y="4645800"/>
-            <a:ext cx="910080" cy="1275480"/>
+            <a:ext cx="909720" cy="1275120"/>
             <a:chOff x="9545040" y="4645800"/>
-            <a:chExt cx="910080" cy="1275480"/>
+            <a:chExt cx="909720" cy="1275120"/>
           </a:xfrm>
         </p:grpSpPr>
         <p:sp>
@@ -20258,8 +20258,8 @@
           </p:nvSpPr>
           <p:spPr>
             <a:xfrm flipV="1" rot="5395800">
-              <a:off x="9911880" y="5743080"/>
-              <a:ext cx="177120" cy="177120"/>
+              <a:off x="9911880" y="5743440"/>
+              <a:ext cx="176760" cy="176760"/>
             </a:xfrm>
             <a:prstGeom prst="ellipse">
               <a:avLst/>
@@ -20267,7 +20267,7 @@
             <a:blipFill rotWithShape="0">
               <a:blip r:embed="rId14"/>
               <a:srcRect/>
-              <a:tile tx="0" ty="0" sx="69148" sy="69148" algn="ctr"/>
+              <a:tile tx="0" ty="0" sx="68794" sy="68794" algn="ctr"/>
             </a:blipFill>
             <a:ln w="0">
               <a:noFill/>
@@ -20314,8 +20314,8 @@
           </p:nvSpPr>
           <p:spPr>
             <a:xfrm flipV="1" rot="5395800">
-              <a:off x="9911520" y="5377320"/>
-              <a:ext cx="177120" cy="177120"/>
+              <a:off x="9911520" y="5377680"/>
+              <a:ext cx="176760" cy="176760"/>
             </a:xfrm>
             <a:prstGeom prst="ellipse">
               <a:avLst/>
@@ -20323,7 +20323,7 @@
             <a:blipFill rotWithShape="0">
               <a:blip r:embed="rId15"/>
               <a:srcRect/>
-              <a:tile tx="0" ty="0" sx="69148" sy="69148" algn="ctr"/>
+              <a:tile tx="0" ty="0" sx="68794" sy="68794" algn="ctr"/>
             </a:blipFill>
             <a:ln w="0">
               <a:noFill/>
@@ -20370,8 +20370,8 @@
           </p:nvSpPr>
           <p:spPr>
             <a:xfrm flipV="1" rot="5395800">
-              <a:off x="9911160" y="5011920"/>
-              <a:ext cx="177120" cy="177120"/>
+              <a:off x="9911160" y="5012280"/>
+              <a:ext cx="176760" cy="176760"/>
             </a:xfrm>
             <a:prstGeom prst="ellipse">
               <a:avLst/>
@@ -20379,7 +20379,7 @@
             <a:blipFill rotWithShape="0">
               <a:blip r:embed="rId16"/>
               <a:srcRect/>
-              <a:tile tx="0" ty="0" sx="69148" sy="69148" algn="ctr"/>
+              <a:tile tx="0" ty="0" sx="68794" sy="68794" algn="ctr"/>
             </a:blipFill>
             <a:ln w="0">
               <a:noFill/>
@@ -20426,8 +20426,8 @@
           </p:nvSpPr>
           <p:spPr>
             <a:xfrm flipV="1" rot="5395800">
-              <a:off x="9910440" y="4645800"/>
-              <a:ext cx="177120" cy="177120"/>
+              <a:off x="9910440" y="4646160"/>
+              <a:ext cx="176760" cy="176760"/>
             </a:xfrm>
             <a:prstGeom prst="ellipse">
               <a:avLst/>
@@ -20435,7 +20435,7 @@
             <a:blipFill rotWithShape="0">
               <a:blip r:embed="rId17"/>
               <a:srcRect/>
-              <a:tile tx="0" ty="0" sx="69148" sy="69148" algn="ctr"/>
+              <a:tile tx="0" ty="0" sx="68794" sy="68794" algn="ctr"/>
             </a:blipFill>
             <a:ln w="0">
               <a:noFill/>
@@ -20482,8 +20482,8 @@
           </p:nvSpPr>
           <p:spPr>
             <a:xfrm flipV="1" rot="5395800">
-              <a:off x="10276560" y="4645440"/>
-              <a:ext cx="177120" cy="177120"/>
+              <a:off x="10276560" y="4645800"/>
+              <a:ext cx="176760" cy="176760"/>
             </a:xfrm>
             <a:prstGeom prst="ellipse">
               <a:avLst/>
@@ -20491,7 +20491,7 @@
             <a:blipFill rotWithShape="0">
               <a:blip r:embed="rId18"/>
               <a:srcRect/>
-              <a:tile tx="0" ty="0" sx="69148" sy="69148" algn="ctr"/>
+              <a:tile tx="0" ty="0" sx="68794" sy="68794" algn="ctr"/>
             </a:blipFill>
             <a:ln w="0">
               <a:noFill/>
@@ -20538,8 +20538,8 @@
           </p:nvSpPr>
           <p:spPr>
             <a:xfrm flipV="1" rot="5395800">
-              <a:off x="10276920" y="5011200"/>
-              <a:ext cx="177120" cy="177120"/>
+              <a:off x="10276920" y="5011560"/>
+              <a:ext cx="176760" cy="176760"/>
             </a:xfrm>
             <a:prstGeom prst="ellipse">
               <a:avLst/>
@@ -20547,7 +20547,7 @@
             <a:blipFill rotWithShape="0">
               <a:blip r:embed="rId19"/>
               <a:srcRect/>
-              <a:tile tx="0" ty="0" sx="69148" sy="69148" algn="ctr"/>
+              <a:tile tx="0" ty="0" sx="68794" sy="68794" algn="ctr"/>
             </a:blipFill>
             <a:ln w="0">
               <a:noFill/>
@@ -20594,8 +20594,8 @@
           </p:nvSpPr>
           <p:spPr>
             <a:xfrm flipV="1" rot="5395800">
-              <a:off x="10276920" y="5376960"/>
-              <a:ext cx="177120" cy="177120"/>
+              <a:off x="10276920" y="5377320"/>
+              <a:ext cx="176760" cy="176760"/>
             </a:xfrm>
             <a:prstGeom prst="ellipse">
               <a:avLst/>
@@ -20603,7 +20603,7 @@
             <a:blipFill rotWithShape="0">
               <a:blip r:embed="rId20"/>
               <a:srcRect/>
-              <a:tile tx="0" ty="0" sx="69148" sy="69148" algn="ctr"/>
+              <a:tile tx="0" ty="0" sx="68794" sy="68794" algn="ctr"/>
             </a:blipFill>
             <a:ln w="0">
               <a:noFill/>
@@ -20650,8 +20650,8 @@
           </p:nvSpPr>
           <p:spPr>
             <a:xfrm flipV="1" rot="5395800">
-              <a:off x="10277640" y="5743080"/>
-              <a:ext cx="177120" cy="177120"/>
+              <a:off x="10277640" y="5743440"/>
+              <a:ext cx="176760" cy="176760"/>
             </a:xfrm>
             <a:prstGeom prst="ellipse">
               <a:avLst/>
@@ -20659,7 +20659,7 @@
             <a:blipFill rotWithShape="0">
               <a:blip r:embed="rId21"/>
               <a:srcRect/>
-              <a:tile tx="0" ty="0" sx="69148" sy="69148" algn="ctr"/>
+              <a:tile tx="0" ty="0" sx="68794" sy="68794" algn="ctr"/>
             </a:blipFill>
             <a:ln w="0">
               <a:noFill/>
@@ -20706,8 +20706,8 @@
           </p:nvSpPr>
           <p:spPr>
             <a:xfrm flipV="1" rot="5395800">
-              <a:off x="9546120" y="5743440"/>
-              <a:ext cx="177120" cy="177120"/>
+              <a:off x="9546120" y="5743800"/>
+              <a:ext cx="176760" cy="176760"/>
             </a:xfrm>
             <a:prstGeom prst="ellipse">
               <a:avLst/>
@@ -20715,7 +20715,7 @@
             <a:blipFill rotWithShape="0">
               <a:blip r:embed="rId22"/>
               <a:srcRect/>
-              <a:tile tx="0" ty="0" sx="69148" sy="69148" algn="ctr"/>
+              <a:tile tx="0" ty="0" sx="68794" sy="68794" algn="ctr"/>
             </a:blipFill>
             <a:ln w="0">
               <a:noFill/>
@@ -20762,8 +20762,8 @@
           </p:nvSpPr>
           <p:spPr>
             <a:xfrm flipV="1" rot="5395800">
-              <a:off x="9545400" y="5378040"/>
-              <a:ext cx="177120" cy="177120"/>
+              <a:off x="9545400" y="5378400"/>
+              <a:ext cx="176760" cy="176760"/>
             </a:xfrm>
             <a:prstGeom prst="ellipse">
               <a:avLst/>
@@ -20771,7 +20771,7 @@
             <a:blipFill rotWithShape="0">
               <a:blip r:embed="rId23"/>
               <a:srcRect/>
-              <a:tile tx="0" ty="0" sx="69148" sy="69148" algn="ctr"/>
+              <a:tile tx="0" ty="0" sx="68794" sy="68794" algn="ctr"/>
             </a:blipFill>
             <a:ln w="0">
               <a:noFill/>
@@ -20818,8 +20818,8 @@
           </p:nvSpPr>
           <p:spPr>
             <a:xfrm flipV="1" rot="5395800">
-              <a:off x="9545400" y="5011920"/>
-              <a:ext cx="177120" cy="177120"/>
+              <a:off x="9545400" y="5012280"/>
+              <a:ext cx="176760" cy="176760"/>
             </a:xfrm>
             <a:prstGeom prst="ellipse">
               <a:avLst/>
@@ -20827,7 +20827,7 @@
             <a:blipFill rotWithShape="0">
               <a:blip r:embed="rId24"/>
               <a:srcRect/>
-              <a:tile tx="0" ty="0" sx="69148" sy="69148" algn="ctr"/>
+              <a:tile tx="0" ty="0" sx="68794" sy="68794" algn="ctr"/>
             </a:blipFill>
             <a:ln w="0">
               <a:noFill/>
@@ -20874,8 +20874,8 @@
           </p:nvSpPr>
           <p:spPr>
             <a:xfrm flipV="1" rot="5395800">
-              <a:off x="9545040" y="4646160"/>
-              <a:ext cx="177120" cy="177120"/>
+              <a:off x="9545040" y="4646520"/>
+              <a:ext cx="176760" cy="176760"/>
             </a:xfrm>
             <a:prstGeom prst="ellipse">
               <a:avLst/>
@@ -20883,7 +20883,7 @@
             <a:blipFill rotWithShape="0">
               <a:blip r:embed="rId25"/>
               <a:srcRect/>
-              <a:tile tx="0" ty="0" sx="69148" sy="69148" algn="ctr"/>
+              <a:tile tx="0" ty="0" sx="68794" sy="68794" algn="ctr"/>
             </a:blipFill>
             <a:ln w="0">
               <a:noFill/>
@@ -20932,7 +20932,7 @@
         <p:spPr>
           <a:xfrm>
             <a:off x="-146160" y="3109320"/>
-            <a:ext cx="1914480" cy="1914480"/>
+            <a:ext cx="1914120" cy="1914120"/>
           </a:xfrm>
           <a:prstGeom prst="ellipse">
             <a:avLst/>
@@ -21006,8 +21006,8 @@
         </p:nvSpPr>
         <p:spPr>
           <a:xfrm rot="18876000">
-            <a:off x="8641440" y="-399960"/>
-            <a:ext cx="2889720" cy="2889720"/>
+            <a:off x="8641440" y="-399600"/>
+            <a:ext cx="2889360" cy="2889360"/>
           </a:xfrm>
           <a:prstGeom prst="rect">
             <a:avLst/>
@@ -21054,7 +21054,7 @@
         <p:spPr>
           <a:xfrm rot="18876000">
             <a:off x="8661600" y="3983040"/>
-            <a:ext cx="2889720" cy="2889720"/>
+            <a:ext cx="2889360" cy="2889360"/>
           </a:xfrm>
           <a:prstGeom prst="rect">
             <a:avLst/>
@@ -21100,8 +21100,8 @@
         </p:nvSpPr>
         <p:spPr>
           <a:xfrm rot="18964800">
-            <a:off x="990360" y="5915880"/>
-            <a:ext cx="2583000" cy="725760"/>
+            <a:off x="990000" y="5915880"/>
+            <a:ext cx="2582640" cy="725400"/>
           </a:xfrm>
           <a:prstGeom prst="rect">
             <a:avLst/>
@@ -21150,7 +21150,7 @@
         <p:spPr>
           <a:xfrm rot="18964800">
             <a:off x="-1294920" y="5513760"/>
-            <a:ext cx="2583000" cy="725760"/>
+            <a:ext cx="2582640" cy="725400"/>
           </a:xfrm>
           <a:prstGeom prst="rect">
             <a:avLst/>
@@ -21198,8 +21198,8 @@
         </p:nvSpPr>
         <p:spPr>
           <a:xfrm rot="18964800">
-            <a:off x="3678480" y="339480"/>
-            <a:ext cx="3452040" cy="916560"/>
+            <a:off x="3678120" y="339480"/>
+            <a:ext cx="3451680" cy="916200"/>
           </a:xfrm>
           <a:prstGeom prst="rect">
             <a:avLst/>
@@ -21247,8 +21247,8 @@
         </p:nvSpPr>
         <p:spPr>
           <a:xfrm rot="18964800">
-            <a:off x="1442160" y="-752760"/>
-            <a:ext cx="2583000" cy="725760"/>
+            <a:off x="1441800" y="-752400"/>
+            <a:ext cx="2582640" cy="725400"/>
           </a:xfrm>
           <a:prstGeom prst="rect">
             <a:avLst/>
@@ -21296,8 +21296,8 @@
         </p:nvSpPr>
         <p:spPr>
           <a:xfrm rot="18964800">
-            <a:off x="-725760" y="3294720"/>
-            <a:ext cx="2583000" cy="507240"/>
+            <a:off x="-725400" y="3294720"/>
+            <a:ext cx="2582640" cy="506880"/>
           </a:xfrm>
           <a:prstGeom prst="rect">
             <a:avLst/>
@@ -21372,7 +21372,7 @@
         <p:spPr>
           <a:xfrm>
             <a:off x="820800" y="4140000"/>
-            <a:ext cx="6193440" cy="1434240"/>
+            <a:ext cx="6193080" cy="1433880"/>
           </a:xfrm>
           <a:prstGeom prst="rect">
             <a:avLst/>
@@ -21432,7 +21432,7 @@
         <p:spPr>
           <a:xfrm>
             <a:off x="7315200" y="4629240"/>
-            <a:ext cx="2371680" cy="488520"/>
+            <a:ext cx="2371320" cy="488160"/>
           </a:xfrm>
           <a:prstGeom prst="rect">
             <a:avLst/>
@@ -21581,7 +21581,7 @@
         <p:spPr>
           <a:xfrm>
             <a:off x="1080000" y="1080000"/>
-            <a:ext cx="6834600" cy="389160"/>
+            <a:ext cx="6834240" cy="388800"/>
           </a:xfrm>
           <a:prstGeom prst="rect">
             <a:avLst/>
@@ -21635,7 +21635,7 @@
         <p:spPr>
           <a:xfrm>
             <a:off x="1086120" y="1635120"/>
-            <a:ext cx="7728480" cy="3941280"/>
+            <a:ext cx="7728120" cy="3940920"/>
           </a:xfrm>
           <a:prstGeom prst="rect">
             <a:avLst/>
@@ -21862,7 +21862,7 @@
         <p:spPr>
           <a:xfrm>
             <a:off x="1080000" y="1080000"/>
-            <a:ext cx="6834600" cy="389160"/>
+            <a:ext cx="6834240" cy="388800"/>
           </a:xfrm>
           <a:prstGeom prst="rect">
             <a:avLst/>
@@ -21916,7 +21916,7 @@
         <p:spPr>
           <a:xfrm>
             <a:off x="1086120" y="1635120"/>
-            <a:ext cx="7728480" cy="3941280"/>
+            <a:ext cx="7728120" cy="3940920"/>
           </a:xfrm>
           <a:prstGeom prst="rect">
             <a:avLst/>
@@ -22245,7 +22245,7 @@
         <p:spPr>
           <a:xfrm>
             <a:off x="1080000" y="1080000"/>
-            <a:ext cx="6834600" cy="389160"/>
+            <a:ext cx="6834240" cy="388800"/>
           </a:xfrm>
           <a:prstGeom prst="rect">
             <a:avLst/>
@@ -22299,7 +22299,7 @@
         <p:spPr>
           <a:xfrm>
             <a:off x="1086120" y="1635120"/>
-            <a:ext cx="7728480" cy="3941280"/>
+            <a:ext cx="7728120" cy="3940920"/>
           </a:xfrm>
           <a:prstGeom prst="rect">
             <a:avLst/>
@@ -22491,7 +22491,7 @@
         <p:spPr>
           <a:xfrm>
             <a:off x="1080000" y="1080000"/>
-            <a:ext cx="6834600" cy="389160"/>
+            <a:ext cx="6834240" cy="388800"/>
           </a:xfrm>
           <a:prstGeom prst="rect">
             <a:avLst/>
@@ -22545,7 +22545,7 @@
         <p:spPr>
           <a:xfrm>
             <a:off x="1086120" y="1635120"/>
-            <a:ext cx="7728480" cy="3941280"/>
+            <a:ext cx="7728120" cy="3940920"/>
           </a:xfrm>
           <a:prstGeom prst="rect">
             <a:avLst/>
@@ -22839,7 +22839,7 @@
         <p:spPr>
           <a:xfrm>
             <a:off x="1080000" y="1080000"/>
-            <a:ext cx="6834600" cy="389160"/>
+            <a:ext cx="6834240" cy="388800"/>
           </a:xfrm>
           <a:prstGeom prst="rect">
             <a:avLst/>
@@ -22893,7 +22893,7 @@
         <p:spPr>
           <a:xfrm>
             <a:off x="1086120" y="1635120"/>
-            <a:ext cx="7728480" cy="3941280"/>
+            <a:ext cx="7728120" cy="3940920"/>
           </a:xfrm>
           <a:prstGeom prst="rect">
             <a:avLst/>
@@ -23059,7 +23059,7 @@
         <p:spPr>
           <a:xfrm>
             <a:off x="1080000" y="1080000"/>
-            <a:ext cx="6834600" cy="389160"/>
+            <a:ext cx="6834240" cy="388800"/>
           </a:xfrm>
           <a:prstGeom prst="rect">
             <a:avLst/>
@@ -23113,7 +23113,7 @@
         <p:spPr>
           <a:xfrm>
             <a:off x="1086120" y="1635120"/>
-            <a:ext cx="7728480" cy="3941280"/>
+            <a:ext cx="7728120" cy="3940920"/>
           </a:xfrm>
           <a:prstGeom prst="rect">
             <a:avLst/>
@@ -23493,7 +23493,7 @@
         <p:spPr>
           <a:xfrm>
             <a:off x="12600" y="474840"/>
-            <a:ext cx="5184000" cy="2764080"/>
+            <a:ext cx="5183640" cy="2763720"/>
           </a:xfrm>
           <a:prstGeom prst="rect">
             <a:avLst/>
@@ -23512,7 +23512,7 @@
         <p:spPr>
           <a:xfrm>
             <a:off x="2700000" y="0"/>
-            <a:ext cx="4497480" cy="537480"/>
+            <a:ext cx="4497120" cy="537120"/>
           </a:xfrm>
           <a:prstGeom prst="rect">
             <a:avLst/>
@@ -23570,7 +23570,7 @@
         <p:spPr>
           <a:xfrm>
             <a:off x="4680000" y="540000"/>
-            <a:ext cx="5092920" cy="2715480"/>
+            <a:ext cx="5092560" cy="2715120"/>
           </a:xfrm>
           <a:prstGeom prst="rect">
             <a:avLst/>
@@ -23593,7 +23593,7 @@
         <p:spPr>
           <a:xfrm>
             <a:off x="4500000" y="3156120"/>
-            <a:ext cx="5218920" cy="1918800"/>
+            <a:ext cx="5218560" cy="1918440"/>
           </a:xfrm>
           <a:prstGeom prst="rect">
             <a:avLst/>
@@ -23616,7 +23616,7 @@
         <p:spPr>
           <a:xfrm>
             <a:off x="120600" y="3060000"/>
-            <a:ext cx="4835520" cy="2577960"/>
+            <a:ext cx="4835160" cy="2577600"/>
           </a:xfrm>
           <a:prstGeom prst="rect">
             <a:avLst/>
@@ -23665,7 +23665,7 @@
         <p:spPr>
           <a:xfrm>
             <a:off x="2700000" y="0"/>
-            <a:ext cx="7378200" cy="537480"/>
+            <a:ext cx="7377840" cy="537120"/>
           </a:xfrm>
           <a:prstGeom prst="rect">
             <a:avLst/>
@@ -23723,7 +23723,7 @@
         <p:spPr>
           <a:xfrm>
             <a:off x="5023800" y="981720"/>
-            <a:ext cx="4695120" cy="3697200"/>
+            <a:ext cx="4694760" cy="3696840"/>
           </a:xfrm>
           <a:prstGeom prst="rect">
             <a:avLst/>
@@ -23746,7 +23746,7 @@
         <p:spPr>
           <a:xfrm>
             <a:off x="180000" y="981720"/>
-            <a:ext cx="4859640" cy="3430440"/>
+            <a:ext cx="4859280" cy="3430080"/>
           </a:xfrm>
           <a:prstGeom prst="rect">
             <a:avLst/>
@@ -23799,7 +23799,7 @@
         <p:spPr>
           <a:xfrm>
             <a:off x="4608000" y="2783880"/>
-            <a:ext cx="4030920" cy="2845080"/>
+            <a:ext cx="4030560" cy="2844720"/>
           </a:xfrm>
           <a:prstGeom prst="rect">
             <a:avLst/>
@@ -23822,7 +23822,7 @@
         <p:spPr>
           <a:xfrm>
             <a:off x="4536000" y="282960"/>
-            <a:ext cx="4102920" cy="2895840"/>
+            <a:ext cx="4102560" cy="2895480"/>
           </a:xfrm>
           <a:prstGeom prst="rect">
             <a:avLst/>
@@ -23845,7 +23845,7 @@
         <p:spPr>
           <a:xfrm>
             <a:off x="388800" y="2913120"/>
-            <a:ext cx="3930120" cy="2773800"/>
+            <a:ext cx="3929760" cy="2773440"/>
           </a:xfrm>
           <a:prstGeom prst="rect">
             <a:avLst/>
@@ -23864,7 +23864,7 @@
         <p:spPr>
           <a:xfrm>
             <a:off x="2700000" y="0"/>
-            <a:ext cx="7378200" cy="537480"/>
+            <a:ext cx="7377840" cy="537120"/>
           </a:xfrm>
           <a:prstGeom prst="rect">
             <a:avLst/>
@@ -23922,7 +23922,7 @@
         <p:spPr>
           <a:xfrm>
             <a:off x="355680" y="369720"/>
-            <a:ext cx="3963240" cy="2797200"/>
+            <a:ext cx="3962880" cy="2796840"/>
           </a:xfrm>
           <a:prstGeom prst="rect">
             <a:avLst/>
@@ -23971,7 +23971,7 @@
         <p:spPr>
           <a:xfrm>
             <a:off x="2700000" y="0"/>
-            <a:ext cx="6298920" cy="537480"/>
+            <a:ext cx="6298560" cy="537120"/>
           </a:xfrm>
           <a:prstGeom prst="rect">
             <a:avLst/>
@@ -24029,7 +24029,7 @@
         <p:spPr>
           <a:xfrm>
             <a:off x="108000" y="396000"/>
-            <a:ext cx="5128920" cy="2734920"/>
+            <a:ext cx="5128560" cy="2734560"/>
           </a:xfrm>
           <a:prstGeom prst="rect">
             <a:avLst/>
@@ -24052,7 +24052,7 @@
         <p:spPr>
           <a:xfrm>
             <a:off x="4680000" y="430560"/>
-            <a:ext cx="5038920" cy="2686680"/>
+            <a:ext cx="5038560" cy="2686320"/>
           </a:xfrm>
           <a:prstGeom prst="rect">
             <a:avLst/>
@@ -24075,7 +24075,7 @@
         <p:spPr>
           <a:xfrm>
             <a:off x="120600" y="2952000"/>
-            <a:ext cx="4969800" cy="2649960"/>
+            <a:ext cx="4969440" cy="2649600"/>
           </a:xfrm>
           <a:prstGeom prst="rect">
             <a:avLst/>
@@ -24098,7 +24098,7 @@
         <p:spPr>
           <a:xfrm>
             <a:off x="4692600" y="3088440"/>
-            <a:ext cx="5206320" cy="1734480"/>
+            <a:ext cx="5205960" cy="1734120"/>
           </a:xfrm>
           <a:prstGeom prst="rect">
             <a:avLst/>
@@ -24147,7 +24147,7 @@
         <p:spPr>
           <a:xfrm>
             <a:off x="1121760" y="1748880"/>
-            <a:ext cx="6828480" cy="1996560"/>
+            <a:ext cx="6828120" cy="1996200"/>
           </a:xfrm>
           <a:prstGeom prst="rect">
             <a:avLst/>
@@ -24338,7 +24338,7 @@
         <p:spPr>
           <a:xfrm>
             <a:off x="1080000" y="1080000"/>
-            <a:ext cx="3859920" cy="389160"/>
+            <a:ext cx="3859560" cy="388800"/>
           </a:xfrm>
           <a:prstGeom prst="rect">
             <a:avLst/>
@@ -24422,7 +24422,7 @@
         <p:spPr>
           <a:xfrm>
             <a:off x="2700000" y="0"/>
-            <a:ext cx="7378200" cy="537480"/>
+            <a:ext cx="7377840" cy="537120"/>
           </a:xfrm>
           <a:prstGeom prst="rect">
             <a:avLst/>
@@ -24480,7 +24480,7 @@
         <p:spPr>
           <a:xfrm>
             <a:off x="5040000" y="1080000"/>
-            <a:ext cx="4923720" cy="3877200"/>
+            <a:ext cx="4923360" cy="3876840"/>
           </a:xfrm>
           <a:prstGeom prst="rect">
             <a:avLst/>
@@ -24503,7 +24503,7 @@
         <p:spPr>
           <a:xfrm>
             <a:off x="55800" y="1080000"/>
-            <a:ext cx="5100120" cy="3600000"/>
+            <a:ext cx="5099760" cy="3599640"/>
           </a:xfrm>
           <a:prstGeom prst="rect">
             <a:avLst/>
@@ -24556,7 +24556,7 @@
         <p:spPr>
           <a:xfrm>
             <a:off x="4680000" y="2736000"/>
-            <a:ext cx="4138920" cy="2921040"/>
+            <a:ext cx="4138560" cy="2920680"/>
           </a:xfrm>
           <a:prstGeom prst="rect">
             <a:avLst/>
@@ -24579,7 +24579,7 @@
         <p:spPr>
           <a:xfrm>
             <a:off x="4680000" y="261720"/>
-            <a:ext cx="3962880" cy="2797200"/>
+            <a:ext cx="3962520" cy="2796840"/>
           </a:xfrm>
           <a:prstGeom prst="rect">
             <a:avLst/>
@@ -24602,7 +24602,7 @@
         <p:spPr>
           <a:xfrm>
             <a:off x="232200" y="216000"/>
-            <a:ext cx="3870720" cy="2732040"/>
+            <a:ext cx="3870360" cy="2731680"/>
           </a:xfrm>
           <a:prstGeom prst="rect">
             <a:avLst/>
@@ -24621,7 +24621,7 @@
         <p:spPr>
           <a:xfrm>
             <a:off x="2700000" y="0"/>
-            <a:ext cx="7378200" cy="537480"/>
+            <a:ext cx="7377840" cy="537120"/>
           </a:xfrm>
           <a:prstGeom prst="rect">
             <a:avLst/>
@@ -24679,7 +24679,7 @@
         <p:spPr>
           <a:xfrm>
             <a:off x="180000" y="2781720"/>
-            <a:ext cx="3963240" cy="2797200"/>
+            <a:ext cx="3962880" cy="2796840"/>
           </a:xfrm>
           <a:prstGeom prst="rect">
             <a:avLst/>
@@ -24728,7 +24728,7 @@
         <p:spPr>
           <a:xfrm>
             <a:off x="2700000" y="0"/>
-            <a:ext cx="7378200" cy="537480"/>
+            <a:ext cx="7377840" cy="537120"/>
           </a:xfrm>
           <a:prstGeom prst="rect">
             <a:avLst/>
@@ -24786,7 +24786,7 @@
         <p:spPr>
           <a:xfrm>
             <a:off x="1581480" y="2880000"/>
-            <a:ext cx="5232240" cy="2790000"/>
+            <a:ext cx="5231880" cy="2789640"/>
           </a:xfrm>
           <a:prstGeom prst="rect">
             <a:avLst/>
@@ -24809,7 +24809,7 @@
         <p:spPr>
           <a:xfrm>
             <a:off x="1565280" y="426960"/>
-            <a:ext cx="5274000" cy="2812320"/>
+            <a:ext cx="5273640" cy="2811960"/>
           </a:xfrm>
           <a:prstGeom prst="rect">
             <a:avLst/>
@@ -24858,7 +24858,7 @@
         <p:spPr>
           <a:xfrm>
             <a:off x="1080000" y="1080000"/>
-            <a:ext cx="8454600" cy="389160"/>
+            <a:ext cx="8454240" cy="388800"/>
           </a:xfrm>
           <a:prstGeom prst="rect">
             <a:avLst/>
@@ -24942,7 +24942,7 @@
         <p:spPr>
           <a:xfrm>
             <a:off x="1080000" y="1080000"/>
-            <a:ext cx="4496040" cy="389160"/>
+            <a:ext cx="4495680" cy="388800"/>
           </a:xfrm>
           <a:prstGeom prst="rect">
             <a:avLst/>
@@ -24996,7 +24996,7 @@
         <p:spPr>
           <a:xfrm>
             <a:off x="1086120" y="1609560"/>
-            <a:ext cx="7728480" cy="1996560"/>
+            <a:ext cx="7728120" cy="1996200"/>
           </a:xfrm>
           <a:prstGeom prst="rect">
             <a:avLst/>
@@ -25162,7 +25162,7 @@
         <p:spPr>
           <a:xfrm>
             <a:off x="1080000" y="1095120"/>
-            <a:ext cx="5036400" cy="389160"/>
+            <a:ext cx="5036040" cy="388800"/>
           </a:xfrm>
           <a:prstGeom prst="rect">
             <a:avLst/>
@@ -25219,7 +25219,7 @@
         <p:spPr>
           <a:xfrm>
             <a:off x="1086120" y="1635120"/>
-            <a:ext cx="7728480" cy="3617280"/>
+            <a:ext cx="7728120" cy="3616920"/>
           </a:xfrm>
           <a:prstGeom prst="rect">
             <a:avLst/>
@@ -25580,7 +25580,7 @@
         <p:spPr>
           <a:xfrm>
             <a:off x="1080000" y="1095120"/>
-            <a:ext cx="5036400" cy="389160"/>
+            <a:ext cx="5036040" cy="388800"/>
           </a:xfrm>
           <a:prstGeom prst="rect">
             <a:avLst/>
@@ -25637,7 +25637,7 @@
         <p:spPr>
           <a:xfrm>
             <a:off x="1086120" y="1635120"/>
-            <a:ext cx="7728480" cy="2861640"/>
+            <a:ext cx="7728120" cy="2861280"/>
           </a:xfrm>
           <a:prstGeom prst="rect">
             <a:avLst/>
@@ -25873,7 +25873,7 @@
         <p:spPr>
           <a:xfrm>
             <a:off x="1080000" y="1095120"/>
-            <a:ext cx="5036400" cy="389160"/>
+            <a:ext cx="5036040" cy="388800"/>
           </a:xfrm>
           <a:prstGeom prst="rect">
             <a:avLst/>
@@ -25930,7 +25930,7 @@
         <p:spPr>
           <a:xfrm>
             <a:off x="1086120" y="1635120"/>
-            <a:ext cx="7728480" cy="3941280"/>
+            <a:ext cx="7728120" cy="3940920"/>
           </a:xfrm>
           <a:prstGeom prst="rect">
             <a:avLst/>
@@ -26056,7 +26056,7 @@
                 <a:latin typeface="Noto Sans"/>
                 <a:ea typeface="DejaVu Sans"/>
               </a:rPr>
-              <a:t>Suppression des bâtiments non destinés à l’habitation</a:t>
+              <a:t>Suppression des bâtiments destinés à l’habitation</a:t>
             </a:r>
             <a:endParaRPr b="0" lang="fr-CH" sz="1800" spc="-1" strike="noStrike">
               <a:solidFill>
@@ -26246,7 +26246,7 @@
         <p:spPr>
           <a:xfrm>
             <a:off x="1080000" y="1095120"/>
-            <a:ext cx="5036400" cy="389160"/>
+            <a:ext cx="5036040" cy="388800"/>
           </a:xfrm>
           <a:prstGeom prst="rect">
             <a:avLst/>
@@ -26303,7 +26303,7 @@
         <p:spPr>
           <a:xfrm>
             <a:off x="1086120" y="1635120"/>
-            <a:ext cx="7728480" cy="3941280"/>
+            <a:ext cx="7728120" cy="3940920"/>
           </a:xfrm>
           <a:prstGeom prst="rect">
             <a:avLst/>
@@ -26539,7 +26539,7 @@
         <p:spPr>
           <a:xfrm>
             <a:off x="1080000" y="1095120"/>
-            <a:ext cx="6476400" cy="389160"/>
+            <a:ext cx="6476040" cy="388800"/>
           </a:xfrm>
           <a:prstGeom prst="rect">
             <a:avLst/>
@@ -26600,7 +26600,7 @@
         <p:spPr>
           <a:xfrm>
             <a:off x="1800000" y="1521720"/>
-            <a:ext cx="4795560" cy="4057200"/>
+            <a:ext cx="4795200" cy="4056840"/>
           </a:xfrm>
           <a:prstGeom prst="rect">
             <a:avLst/>
@@ -26649,7 +26649,7 @@
         <p:spPr>
           <a:xfrm>
             <a:off x="1080000" y="1095120"/>
-            <a:ext cx="6476400" cy="389160"/>
+            <a:ext cx="6476040" cy="388800"/>
           </a:xfrm>
           <a:prstGeom prst="rect">
             <a:avLst/>
@@ -26710,7 +26710,7 @@
         <p:spPr>
           <a:xfrm>
             <a:off x="1919880" y="1548000"/>
-            <a:ext cx="4534920" cy="4057200"/>
+            <a:ext cx="4534560" cy="4056840"/>
           </a:xfrm>
           <a:prstGeom prst="rect">
             <a:avLst/>
